--- a/public/Прайс по разработке сайтов, интернет продвижению и.pptx
+++ b/public/Прайс по разработке сайтов, интернет продвижению и.pptx
@@ -7,7 +7,6 @@
   <p:sldIdLst>
     <p:sldId id="256" r:id="rId2"/>
     <p:sldId id="257" r:id="rId3"/>
-    <p:sldId id="258" r:id="rId4"/>
   </p:sldIdLst>
   <p:sldSz cx="12192000" cy="6858000"/>
   <p:notesSz cx="6858000" cy="9144000"/>
@@ -388,7 +387,7 @@
           <a:p>
             <a:fld id="{78ABE3C1-DBE1-495D-B57B-2849774B866A}" type="datetimeFigureOut">
               <a:rPr lang="en-US" dirty="0"/>
-              <a:t>4/24/2023</a:t>
+              <a:t>5/26/2023</a:t>
             </a:fld>
             <a:endParaRPr lang="en-US" dirty="0"/>
           </a:p>
@@ -797,7 +796,7 @@
           <a:p>
             <a:fld id="{446C117F-5CCF-4837-BE5F-2B92066CAFAF}" type="datetimeFigureOut">
               <a:rPr lang="en-US" dirty="0"/>
-              <a:t>4/24/2023</a:t>
+              <a:t>5/26/2023</a:t>
             </a:fld>
             <a:endParaRPr lang="en-US" dirty="0"/>
           </a:p>
@@ -1128,7 +1127,7 @@
           <a:p>
             <a:fld id="{84EB90BD-B6CE-46B7-997F-7313B992CCDC}" type="datetimeFigureOut">
               <a:rPr lang="en-US" dirty="0"/>
-              <a:t>4/24/2023</a:t>
+              <a:t>5/26/2023</a:t>
             </a:fld>
             <a:endParaRPr lang="en-US" dirty="0"/>
           </a:p>
@@ -1528,7 +1527,7 @@
           <a:p>
             <a:fld id="{CDB9D11F-B188-461D-B23F-39381795C052}" type="datetimeFigureOut">
               <a:rPr lang="en-US" dirty="0"/>
-              <a:t>4/24/2023</a:t>
+              <a:t>5/26/2023</a:t>
             </a:fld>
             <a:endParaRPr lang="en-US" dirty="0"/>
           </a:p>
@@ -2091,7 +2090,7 @@
           <a:p>
             <a:fld id="{52E6D8D9-55A2-4063-B0F3-121F44549695}" type="datetimeFigureOut">
               <a:rPr lang="en-US" dirty="0"/>
-              <a:t>4/24/2023</a:t>
+              <a:t>5/26/2023</a:t>
             </a:fld>
             <a:endParaRPr lang="en-US" dirty="0"/>
           </a:p>
@@ -2767,7 +2766,7 @@
           <a:p>
             <a:fld id="{D4B24536-994D-4021-A283-9F449C0DB509}" type="datetimeFigureOut">
               <a:rPr lang="en-US" dirty="0"/>
-              <a:t>4/24/2023</a:t>
+              <a:t>5/26/2023</a:t>
             </a:fld>
             <a:endParaRPr lang="en-US" dirty="0"/>
           </a:p>
@@ -3675,7 +3674,7 @@
           <a:p>
             <a:fld id="{3CBBBB78-C96F-47B7-AB17-D852CA960AC9}" type="datetimeFigureOut">
               <a:rPr lang="en-US" dirty="0"/>
-              <a:t>4/24/2023</a:t>
+              <a:t>5/26/2023</a:t>
             </a:fld>
             <a:endParaRPr lang="en-US" dirty="0"/>
           </a:p>
@@ -3983,7 +3982,7 @@
           <a:p>
             <a:fld id="{1FA3F48C-C7C6-4055-9F49-3777875E72AE}" type="datetimeFigureOut">
               <a:rPr lang="en-US" dirty="0"/>
-              <a:t>4/24/2023</a:t>
+              <a:t>5/26/2023</a:t>
             </a:fld>
             <a:endParaRPr lang="en-US" dirty="0"/>
           </a:p>
@@ -4242,7 +4241,7 @@
           <a:p>
             <a:fld id="{6178E61D-D431-422C-9764-11DAFE33AB63}" type="datetimeFigureOut">
               <a:rPr lang="en-US" dirty="0"/>
-              <a:t>4/24/2023</a:t>
+              <a:t>5/26/2023</a:t>
             </a:fld>
             <a:endParaRPr lang="en-US" dirty="0"/>
           </a:p>
@@ -4561,7 +4560,7 @@
           <a:p>
             <a:fld id="{12DE42F4-6EEF-4EF7-8ED4-2208F0F89A08}" type="datetimeFigureOut">
               <a:rPr lang="en-US" dirty="0"/>
-              <a:t>4/24/2023</a:t>
+              <a:t>5/26/2023</a:t>
             </a:fld>
             <a:endParaRPr lang="en-US" dirty="0"/>
           </a:p>
@@ -4945,7 +4944,7 @@
           <a:p>
             <a:fld id="{30578ACC-22D6-47C1-A373-4FD133E34F3C}" type="datetimeFigureOut">
               <a:rPr lang="en-US" dirty="0"/>
-              <a:t>4/24/2023</a:t>
+              <a:t>5/26/2023</a:t>
             </a:fld>
             <a:endParaRPr lang="en-US" dirty="0"/>
           </a:p>
@@ -5316,7 +5315,7 @@
           <a:p>
             <a:fld id="{4E5A6C69-6797-4E8A-BF37-F2C3751466E9}" type="datetimeFigureOut">
               <a:rPr lang="en-US" dirty="0"/>
-              <a:t>4/24/2023</a:t>
+              <a:t>5/26/2023</a:t>
             </a:fld>
             <a:endParaRPr lang="en-US" dirty="0"/>
           </a:p>
@@ -5817,7 +5816,7 @@
           <a:p>
             <a:fld id="{D82014A1-A632-4878-A0D3-F52BA7563730}" type="datetimeFigureOut">
               <a:rPr lang="en-US" dirty="0"/>
-              <a:t>4/24/2023</a:t>
+              <a:t>5/26/2023</a:t>
             </a:fld>
             <a:endParaRPr lang="en-US" dirty="0"/>
           </a:p>
@@ -6069,7 +6068,7 @@
           <a:p>
             <a:fld id="{CE99F462-093F-4566-844B-4C71F2739DA5}" type="datetimeFigureOut">
               <a:rPr lang="en-US" dirty="0"/>
-              <a:t>4/24/2023</a:t>
+              <a:t>5/26/2023</a:t>
             </a:fld>
             <a:endParaRPr lang="en-US" dirty="0"/>
           </a:p>
@@ -6227,7 +6226,7 @@
           <a:p>
             <a:fld id="{3D24A7AC-904D-4781-85BA-7D10C17ED021}" type="datetimeFigureOut">
               <a:rPr lang="en-US" dirty="0"/>
-              <a:t>4/24/2023</a:t>
+              <a:t>5/26/2023</a:t>
             </a:fld>
             <a:endParaRPr lang="en-US" dirty="0"/>
           </a:p>
@@ -6612,7 +6611,7 @@
           <a:p>
             <a:fld id="{E331444B-B92B-4E27-8C94-BB93EAF5CB18}" type="datetimeFigureOut">
               <a:rPr lang="en-US" dirty="0"/>
-              <a:t>4/24/2023</a:t>
+              <a:t>5/26/2023</a:t>
             </a:fld>
             <a:endParaRPr lang="en-US" dirty="0"/>
           </a:p>
@@ -7016,7 +7015,7 @@
           <a:p>
             <a:fld id="{363EFA5E-FA76-400D-B3DC-F0BA90E6D107}" type="datetimeFigureOut">
               <a:rPr lang="en-US" dirty="0"/>
-              <a:t>4/24/2023</a:t>
+              <a:t>5/26/2023</a:t>
             </a:fld>
             <a:endParaRPr lang="en-US" dirty="0"/>
           </a:p>
@@ -7255,7 +7254,7 @@
           <a:p>
             <a:fld id="{9D6E9DEC-419B-4CC5-A080-3B06BD5A8291}" type="datetimeFigureOut">
               <a:rPr lang="en-US" dirty="0"/>
-              <a:t>4/24/2023</a:t>
+              <a:t>5/26/2023</a:t>
             </a:fld>
             <a:endParaRPr lang="en-US" dirty="0"/>
           </a:p>
@@ -7879,14 +7878,14 @@
             <p:ph idx="1"/>
             <p:extLst>
               <p:ext uri="{D42A27DB-BD31-4B8C-83A1-F6EECF244321}">
-                <p14:modId xmlns:p14="http://schemas.microsoft.com/office/powerpoint/2010/main" val="2472978227"/>
+                <p14:modId xmlns:p14="http://schemas.microsoft.com/office/powerpoint/2010/main" val="3867054171"/>
               </p:ext>
             </p:extLst>
           </p:nvPr>
         </p:nvGraphicFramePr>
         <p:xfrm>
           <a:off x="814506" y="2466363"/>
-          <a:ext cx="9613900" cy="3667760"/>
+          <a:ext cx="9613900" cy="3296920"/>
         </p:xfrm>
         <a:graphic>
           <a:graphicData uri="http://schemas.openxmlformats.org/drawingml/2006/table">
@@ -7970,10 +7969,7 @@
                     <a:lstStyle/>
                     <a:p>
                       <a:pPr algn="ctr"/>
-                      <a:r>
-                        <a:rPr lang="ru-RU" sz="1600" dirty="0"/>
-                        <a:t>от 4 000 р.</a:t>
-                      </a:r>
+                      <a:endParaRPr lang="ru-RU" sz="1600" dirty="0"/>
                     </a:p>
                   </a:txBody>
                   <a:tcPr/>
@@ -8021,10 +8017,7 @@
                     <a:lstStyle/>
                     <a:p>
                       <a:pPr algn="ctr"/>
-                      <a:r>
-                        <a:rPr lang="ru-RU" sz="1600" dirty="0"/>
-                        <a:t>от 6 000 р.</a:t>
-                      </a:r>
+                      <a:endParaRPr lang="ru-RU" sz="1600" dirty="0"/>
                     </a:p>
                   </a:txBody>
                   <a:tcPr/>
@@ -8064,10 +8057,7 @@
                     <a:lstStyle/>
                     <a:p>
                       <a:pPr algn="ctr"/>
-                      <a:r>
-                        <a:rPr lang="ru-RU" sz="1600" dirty="0"/>
-                        <a:t>от 7 000 р.</a:t>
-                      </a:r>
+                      <a:endParaRPr lang="ru-RU" sz="1600" dirty="0"/>
                     </a:p>
                   </a:txBody>
                   <a:tcPr/>
@@ -8075,118 +8065,6 @@
                 <a:extLst>
                   <a:ext uri="{0D108BD9-81ED-4DB2-BD59-A6C34878D82A}">
                     <a16:rowId xmlns:a16="http://schemas.microsoft.com/office/drawing/2014/main" val="2829827849"/>
-                  </a:ext>
-                </a:extLst>
-              </a:tr>
-              <a:tr h="370840">
-                <a:tc>
-                  <a:txBody>
-                    <a:bodyPr/>
-                    <a:lstStyle/>
-                    <a:p>
-                      <a:pPr marL="0" marR="0" lvl="0" indent="0" algn="l" defTabSz="914400" rtl="0" eaLnBrk="1" fontAlgn="auto" latinLnBrk="0" hangingPunct="1">
-                        <a:lnSpc>
-                          <a:spcPct val="100000"/>
-                        </a:lnSpc>
-                        <a:spcBef>
-                          <a:spcPts val="0"/>
-                        </a:spcBef>
-                        <a:spcAft>
-                          <a:spcPts val="0"/>
-                        </a:spcAft>
-                        <a:buClrTx/>
-                        <a:buSzTx/>
-                        <a:buFontTx/>
-                        <a:buNone/>
-                        <a:tabLst/>
-                        <a:defRPr/>
-                      </a:pPr>
-                      <a:r>
-                        <a:rPr lang="ru-RU" sz="1600" dirty="0"/>
-                        <a:t>Сайт на </a:t>
-                      </a:r>
-                      <a:r>
-                        <a:rPr lang="en-US" sz="1600" dirty="0"/>
-                        <a:t>WordPress</a:t>
-                      </a:r>
-                      <a:endParaRPr lang="ru-RU" sz="1600" dirty="0"/>
-                    </a:p>
-                  </a:txBody>
-                  <a:tcPr/>
-                </a:tc>
-                <a:tc>
-                  <a:txBody>
-                    <a:bodyPr/>
-                    <a:lstStyle/>
-                    <a:p>
-                      <a:pPr algn="ctr"/>
-                      <a:r>
-                        <a:rPr lang="ru-RU" sz="1600" dirty="0"/>
-                        <a:t>от 12 000 р.</a:t>
-                      </a:r>
-                    </a:p>
-                  </a:txBody>
-                  <a:tcPr/>
-                </a:tc>
-                <a:extLst>
-                  <a:ext uri="{0D108BD9-81ED-4DB2-BD59-A6C34878D82A}">
-                    <a16:rowId xmlns:a16="http://schemas.microsoft.com/office/drawing/2014/main" val="670097909"/>
-                  </a:ext>
-                </a:extLst>
-              </a:tr>
-              <a:tr h="370840">
-                <a:tc>
-                  <a:txBody>
-                    <a:bodyPr/>
-                    <a:lstStyle/>
-                    <a:p>
-                      <a:pPr marL="0" marR="0" lvl="0" indent="0" algn="l" defTabSz="914400" rtl="0" eaLnBrk="1" fontAlgn="auto" latinLnBrk="0" hangingPunct="1">
-                        <a:lnSpc>
-                          <a:spcPct val="100000"/>
-                        </a:lnSpc>
-                        <a:spcBef>
-                          <a:spcPts val="0"/>
-                        </a:spcBef>
-                        <a:spcAft>
-                          <a:spcPts val="0"/>
-                        </a:spcAft>
-                        <a:buClrTx/>
-                        <a:buSzTx/>
-                        <a:buFontTx/>
-                        <a:buNone/>
-                        <a:tabLst/>
-                        <a:defRPr/>
-                      </a:pPr>
-                      <a:r>
-                        <a:rPr lang="ru-RU" sz="1600" dirty="0"/>
-                        <a:t>Сайт на </a:t>
-                      </a:r>
-                      <a:r>
-                        <a:rPr lang="en-US" sz="1600" dirty="0"/>
-                        <a:t>Tilda</a:t>
-                      </a:r>
-                      <a:endParaRPr lang="ru-RU" sz="1600" dirty="0"/>
-                    </a:p>
-                  </a:txBody>
-                  <a:tcPr/>
-                </a:tc>
-                <a:tc>
-                  <a:txBody>
-                    <a:bodyPr/>
-                    <a:lstStyle/>
-                    <a:p>
-                      <a:pPr algn="ctr"/>
-                      <a:r>
-                        <a:rPr lang="ru-RU" sz="1600" dirty="0"/>
-                        <a:t>от 12 000 р.</a:t>
-                      </a:r>
-                    </a:p>
-                  </a:txBody>
-                  <a:tcPr/>
-                </a:tc>
-                <a:extLst>
-                  <a:ext uri="{0D108BD9-81ED-4DB2-BD59-A6C34878D82A}">
-                    <a16:rowId xmlns:a16="http://schemas.microsoft.com/office/drawing/2014/main" val="1693770075"/>
                   </a:ext>
                 </a:extLst>
               </a:tr>
@@ -8218,10 +8096,7 @@
                     <a:lstStyle/>
                     <a:p>
                       <a:pPr algn="ctr"/>
-                      <a:r>
-                        <a:rPr lang="ru-RU" sz="1600" dirty="0"/>
-                        <a:t>от 15 000 р. </a:t>
-                      </a:r>
+                      <a:endParaRPr lang="ru-RU" sz="1600" dirty="0"/>
                     </a:p>
                   </a:txBody>
                   <a:tcPr/>
@@ -8277,10 +8152,7 @@
                     <a:lstStyle/>
                     <a:p>
                       <a:pPr algn="ctr"/>
-                      <a:r>
-                        <a:rPr lang="ru-RU" sz="1600" dirty="0"/>
-                        <a:t>от 21 000 р.</a:t>
-                      </a:r>
+                      <a:endParaRPr lang="ru-RU" sz="1600" dirty="0"/>
                     </a:p>
                   </a:txBody>
                   <a:tcPr/>
@@ -8328,10 +8200,7 @@
                     <a:lstStyle/>
                     <a:p>
                       <a:pPr algn="ctr"/>
-                      <a:r>
-                        <a:rPr lang="ru-RU" sz="1600" dirty="0"/>
-                        <a:t>от 30 000 р.</a:t>
-                      </a:r>
+                      <a:endParaRPr lang="ru-RU" sz="1600" dirty="0"/>
                     </a:p>
                   </a:txBody>
                   <a:tcPr/>
@@ -8366,7 +8235,7 @@
                         <a:defRPr/>
                       </a:pPr>
                       <a:r>
-                        <a:rPr lang="ru-RU" sz="1600" u="none" kern="1200">
+                        <a:rPr lang="ru-RU" sz="1600" u="none" kern="1200" dirty="0">
                           <a:solidFill>
                             <a:schemeClr val="dk1"/>
                           </a:solidFill>
@@ -8386,10 +8255,7 @@
                     <a:lstStyle/>
                     <a:p>
                       <a:pPr algn="ctr"/>
-                      <a:r>
-                        <a:rPr lang="ru-RU" sz="1600" dirty="0"/>
-                        <a:t>От 10 000 р.</a:t>
-                      </a:r>
+                      <a:endParaRPr lang="ru-RU" sz="1600" dirty="0"/>
                     </a:p>
                   </a:txBody>
                   <a:tcPr/>
@@ -8397,184 +8263,6 @@
                 <a:extLst>
                   <a:ext uri="{0D108BD9-81ED-4DB2-BD59-A6C34878D82A}">
                     <a16:rowId xmlns:a16="http://schemas.microsoft.com/office/drawing/2014/main" val="3655545532"/>
-                  </a:ext>
-                </a:extLst>
-              </a:tr>
-            </a:tbl>
-          </a:graphicData>
-        </a:graphic>
-      </p:graphicFrame>
-    </p:spTree>
-    <p:extLst>
-      <p:ext uri="{BB962C8B-B14F-4D97-AF65-F5344CB8AC3E}">
-        <p14:creationId xmlns:p14="http://schemas.microsoft.com/office/powerpoint/2010/main" val="2152487951"/>
-      </p:ext>
-    </p:extLst>
-  </p:cSld>
-  <p:clrMapOvr>
-    <a:masterClrMapping/>
-  </p:clrMapOvr>
-</p:sld>
-</file>
-
-<file path=ppt/slides/slide3.xml><?xml version="1.0" encoding="utf-8"?>
-<p:sld xmlns:a="http://schemas.openxmlformats.org/drawingml/2006/main" xmlns:r="http://schemas.openxmlformats.org/officeDocument/2006/relationships" xmlns:p="http://schemas.openxmlformats.org/presentationml/2006/main">
-  <p:cSld>
-    <p:spTree>
-      <p:nvGrpSpPr>
-        <p:cNvPr id="1" name=""/>
-        <p:cNvGrpSpPr/>
-        <p:nvPr/>
-      </p:nvGrpSpPr>
-      <p:grpSpPr>
-        <a:xfrm>
-          <a:off x="0" y="0"/>
-          <a:ext cx="0" cy="0"/>
-          <a:chOff x="0" y="0"/>
-          <a:chExt cx="0" cy="0"/>
-        </a:xfrm>
-      </p:grpSpPr>
-      <p:sp>
-        <p:nvSpPr>
-          <p:cNvPr id="2" name="Заголовок 1">
-            <a:extLst>
-              <a:ext uri="{FF2B5EF4-FFF2-40B4-BE49-F238E27FC236}">
-                <a16:creationId xmlns:a16="http://schemas.microsoft.com/office/drawing/2014/main" id="{F095F6BF-0F01-3E61-E843-46B0647378EE}"/>
-              </a:ext>
-            </a:extLst>
-          </p:cNvPr>
-          <p:cNvSpPr>
-            <a:spLocks noGrp="1"/>
-          </p:cNvSpPr>
-          <p:nvPr>
-            <p:ph type="title"/>
-          </p:nvPr>
-        </p:nvSpPr>
-        <p:spPr/>
-        <p:txBody>
-          <a:bodyPr/>
-          <a:lstStyle/>
-          <a:p>
-            <a:r>
-              <a:rPr lang="ru-RU" dirty="0"/>
-              <a:t>Интернет - реклама</a:t>
-            </a:r>
-          </a:p>
-        </p:txBody>
-      </p:sp>
-      <p:graphicFrame>
-        <p:nvGraphicFramePr>
-          <p:cNvPr id="5" name="Таблица 5">
-            <a:extLst>
-              <a:ext uri="{FF2B5EF4-FFF2-40B4-BE49-F238E27FC236}">
-                <a16:creationId xmlns:a16="http://schemas.microsoft.com/office/drawing/2014/main" id="{E79996D2-4DAD-17AB-4632-DD7A3BD671DE}"/>
-              </a:ext>
-            </a:extLst>
-          </p:cNvPr>
-          <p:cNvGraphicFramePr>
-            <a:graphicFrameLocks noGrp="1"/>
-          </p:cNvGraphicFramePr>
-          <p:nvPr>
-            <p:ph idx="1"/>
-          </p:nvPr>
-        </p:nvGraphicFramePr>
-        <p:xfrm>
-          <a:off x="814506" y="2466363"/>
-          <a:ext cx="9613900" cy="3667760"/>
-        </p:xfrm>
-        <a:graphic>
-          <a:graphicData uri="http://schemas.openxmlformats.org/drawingml/2006/table">
-            <a:tbl>
-              <a:tblPr firstRow="1" bandRow="1">
-                <a:tableStyleId>{5C22544A-7EE6-4342-B048-85BDC9FD1C3A}</a:tableStyleId>
-              </a:tblPr>
-              <a:tblGrid>
-                <a:gridCol w="6425193">
-                  <a:extLst>
-                    <a:ext uri="{9D8B030D-6E8A-4147-A177-3AD203B41FA5}">
-                      <a16:colId xmlns:a16="http://schemas.microsoft.com/office/drawing/2014/main" val="55798866"/>
-                    </a:ext>
-                  </a:extLst>
-                </a:gridCol>
-                <a:gridCol w="3188707">
-                  <a:extLst>
-                    <a:ext uri="{9D8B030D-6E8A-4147-A177-3AD203B41FA5}">
-                      <a16:colId xmlns:a16="http://schemas.microsoft.com/office/drawing/2014/main" val="671085902"/>
-                    </a:ext>
-                  </a:extLst>
-                </a:gridCol>
-              </a:tblGrid>
-              <a:tr h="316778">
-                <a:tc gridSpan="2">
-                  <a:txBody>
-                    <a:bodyPr/>
-                    <a:lstStyle/>
-                    <a:p>
-                      <a:pPr algn="ctr"/>
-                      <a:r>
-                        <a:rPr lang="ru-RU" sz="1800" b="1" i="0" kern="1200" dirty="0">
-                          <a:solidFill>
-                            <a:schemeClr val="lt1"/>
-                          </a:solidFill>
-                          <a:effectLst/>
-                          <a:latin typeface="+mn-lt"/>
-                          <a:ea typeface="+mn-ea"/>
-                          <a:cs typeface="+mn-cs"/>
-                        </a:rPr>
-                        <a:t>Создание сайта</a:t>
-                      </a:r>
-                      <a:endParaRPr lang="ru-RU" dirty="0"/>
-                    </a:p>
-                  </a:txBody>
-                  <a:tcPr/>
-                </a:tc>
-                <a:tc hMerge="1">
-                  <a:txBody>
-                    <a:bodyPr/>
-                    <a:lstStyle/>
-                    <a:p>
-                      <a:endParaRPr lang="ru-RU" dirty="0"/>
-                    </a:p>
-                  </a:txBody>
-                  <a:tcPr/>
-                </a:tc>
-                <a:extLst>
-                  <a:ext uri="{0D108BD9-81ED-4DB2-BD59-A6C34878D82A}">
-                    <a16:rowId xmlns:a16="http://schemas.microsoft.com/office/drawing/2014/main" val="70998167"/>
-                  </a:ext>
-                </a:extLst>
-              </a:tr>
-              <a:tr h="370840">
-                <a:tc>
-                  <a:txBody>
-                    <a:bodyPr/>
-                    <a:lstStyle/>
-                    <a:p>
-                      <a:r>
-                        <a:rPr lang="ru-RU" sz="1600" dirty="0"/>
-                        <a:t>Сайт по шаблону (готовый сайт)</a:t>
-                      </a:r>
-                    </a:p>
-                  </a:txBody>
-                  <a:tcPr/>
-                </a:tc>
-                <a:tc>
-                  <a:txBody>
-                    <a:bodyPr/>
-                    <a:lstStyle/>
-                    <a:p>
-                      <a:pPr algn="ctr"/>
-                      <a:r>
-                        <a:rPr lang="ru-RU" sz="1600" dirty="0"/>
-                        <a:t>от 4 000 р.</a:t>
-                      </a:r>
-                    </a:p>
-                  </a:txBody>
-                  <a:tcPr/>
-                </a:tc>
-                <a:extLst>
-                  <a:ext uri="{0D108BD9-81ED-4DB2-BD59-A6C34878D82A}">
-                    <a16:rowId xmlns:a16="http://schemas.microsoft.com/office/drawing/2014/main" val="1772912691"/>
                   </a:ext>
                 </a:extLst>
               </a:tr>
@@ -8601,10 +8289,14 @@
                         <a:tabLst/>
                         <a:defRPr/>
                       </a:pPr>
-                      <a:r>
-                        <a:rPr lang="ru-RU" sz="1600" dirty="0"/>
-                        <a:t>Сайт – визитка</a:t>
-                      </a:r>
+                      <a:endParaRPr lang="ru-RU" sz="1600" u="none" kern="1200" dirty="0">
+                        <a:solidFill>
+                          <a:schemeClr val="dk1"/>
+                        </a:solidFill>
+                        <a:latin typeface="+mn-lt"/>
+                        <a:ea typeface="+mn-ea"/>
+                        <a:cs typeface="+mn-cs"/>
+                      </a:endParaRPr>
                     </a:p>
                   </a:txBody>
                   <a:tcPr/>
@@ -8615,382 +8307,14 @@
                     <a:lstStyle/>
                     <a:p>
                       <a:pPr algn="ctr"/>
-                      <a:r>
-                        <a:rPr lang="ru-RU" sz="1600" dirty="0"/>
-                        <a:t>от 6 000 р.</a:t>
-                      </a:r>
+                      <a:endParaRPr lang="ru-RU" sz="1600" dirty="0"/>
                     </a:p>
                   </a:txBody>
                   <a:tcPr/>
                 </a:tc>
                 <a:extLst>
                   <a:ext uri="{0D108BD9-81ED-4DB2-BD59-A6C34878D82A}">
-                    <a16:rowId xmlns:a16="http://schemas.microsoft.com/office/drawing/2014/main" val="3569906132"/>
-                  </a:ext>
-                </a:extLst>
-              </a:tr>
-              <a:tr h="370840">
-                <a:tc>
-                  <a:txBody>
-                    <a:bodyPr/>
-                    <a:lstStyle/>
-                    <a:p>
-                      <a:r>
-                        <a:rPr lang="ru-RU" sz="1600" dirty="0" err="1"/>
-                        <a:t>Ленидинг</a:t>
-                      </a:r>
-                      <a:r>
-                        <a:rPr lang="ru-RU" sz="1600" dirty="0"/>
-                        <a:t> (</a:t>
-                      </a:r>
-                      <a:r>
-                        <a:rPr lang="en-US" sz="1600" dirty="0"/>
-                        <a:t>Lending page)</a:t>
-                      </a:r>
-                      <a:endParaRPr lang="ru-RU" sz="1600" dirty="0"/>
-                    </a:p>
-                  </a:txBody>
-                  <a:tcPr/>
-                </a:tc>
-                <a:tc>
-                  <a:txBody>
-                    <a:bodyPr/>
-                    <a:lstStyle/>
-                    <a:p>
-                      <a:pPr algn="ctr"/>
-                      <a:r>
-                        <a:rPr lang="ru-RU" sz="1600" dirty="0"/>
-                        <a:t>от 7 000 р.</a:t>
-                      </a:r>
-                    </a:p>
-                  </a:txBody>
-                  <a:tcPr/>
-                </a:tc>
-                <a:extLst>
-                  <a:ext uri="{0D108BD9-81ED-4DB2-BD59-A6C34878D82A}">
-                    <a16:rowId xmlns:a16="http://schemas.microsoft.com/office/drawing/2014/main" val="2829827849"/>
-                  </a:ext>
-                </a:extLst>
-              </a:tr>
-              <a:tr h="370840">
-                <a:tc>
-                  <a:txBody>
-                    <a:bodyPr/>
-                    <a:lstStyle/>
-                    <a:p>
-                      <a:pPr marL="0" marR="0" lvl="0" indent="0" algn="l" defTabSz="914400" rtl="0" eaLnBrk="1" fontAlgn="auto" latinLnBrk="0" hangingPunct="1">
-                        <a:lnSpc>
-                          <a:spcPct val="100000"/>
-                        </a:lnSpc>
-                        <a:spcBef>
-                          <a:spcPts val="0"/>
-                        </a:spcBef>
-                        <a:spcAft>
-                          <a:spcPts val="0"/>
-                        </a:spcAft>
-                        <a:buClrTx/>
-                        <a:buSzTx/>
-                        <a:buFontTx/>
-                        <a:buNone/>
-                        <a:tabLst/>
-                        <a:defRPr/>
-                      </a:pPr>
-                      <a:r>
-                        <a:rPr lang="ru-RU" sz="1600" dirty="0"/>
-                        <a:t>Сайт на </a:t>
-                      </a:r>
-                      <a:r>
-                        <a:rPr lang="en-US" sz="1600" dirty="0"/>
-                        <a:t>WordPress</a:t>
-                      </a:r>
-                      <a:endParaRPr lang="ru-RU" sz="1600" dirty="0"/>
-                    </a:p>
-                  </a:txBody>
-                  <a:tcPr/>
-                </a:tc>
-                <a:tc>
-                  <a:txBody>
-                    <a:bodyPr/>
-                    <a:lstStyle/>
-                    <a:p>
-                      <a:pPr algn="ctr"/>
-                      <a:r>
-                        <a:rPr lang="ru-RU" sz="1600" dirty="0"/>
-                        <a:t>от 12 000 р.</a:t>
-                      </a:r>
-                    </a:p>
-                  </a:txBody>
-                  <a:tcPr/>
-                </a:tc>
-                <a:extLst>
-                  <a:ext uri="{0D108BD9-81ED-4DB2-BD59-A6C34878D82A}">
-                    <a16:rowId xmlns:a16="http://schemas.microsoft.com/office/drawing/2014/main" val="670097909"/>
-                  </a:ext>
-                </a:extLst>
-              </a:tr>
-              <a:tr h="370840">
-                <a:tc>
-                  <a:txBody>
-                    <a:bodyPr/>
-                    <a:lstStyle/>
-                    <a:p>
-                      <a:pPr marL="0" marR="0" lvl="0" indent="0" algn="l" defTabSz="914400" rtl="0" eaLnBrk="1" fontAlgn="auto" latinLnBrk="0" hangingPunct="1">
-                        <a:lnSpc>
-                          <a:spcPct val="100000"/>
-                        </a:lnSpc>
-                        <a:spcBef>
-                          <a:spcPts val="0"/>
-                        </a:spcBef>
-                        <a:spcAft>
-                          <a:spcPts val="0"/>
-                        </a:spcAft>
-                        <a:buClrTx/>
-                        <a:buSzTx/>
-                        <a:buFontTx/>
-                        <a:buNone/>
-                        <a:tabLst/>
-                        <a:defRPr/>
-                      </a:pPr>
-                      <a:r>
-                        <a:rPr lang="ru-RU" sz="1600" dirty="0"/>
-                        <a:t>Сайт на </a:t>
-                      </a:r>
-                      <a:r>
-                        <a:rPr lang="en-US" sz="1600" dirty="0"/>
-                        <a:t>Tilda</a:t>
-                      </a:r>
-                      <a:endParaRPr lang="ru-RU" sz="1600" dirty="0"/>
-                    </a:p>
-                  </a:txBody>
-                  <a:tcPr/>
-                </a:tc>
-                <a:tc>
-                  <a:txBody>
-                    <a:bodyPr/>
-                    <a:lstStyle/>
-                    <a:p>
-                      <a:pPr algn="ctr"/>
-                      <a:r>
-                        <a:rPr lang="ru-RU" sz="1600" dirty="0"/>
-                        <a:t>от 12 000 р.</a:t>
-                      </a:r>
-                    </a:p>
-                  </a:txBody>
-                  <a:tcPr/>
-                </a:tc>
-                <a:extLst>
-                  <a:ext uri="{0D108BD9-81ED-4DB2-BD59-A6C34878D82A}">
-                    <a16:rowId xmlns:a16="http://schemas.microsoft.com/office/drawing/2014/main" val="1693770075"/>
-                  </a:ext>
-                </a:extLst>
-              </a:tr>
-              <a:tr h="370840">
-                <a:tc>
-                  <a:txBody>
-                    <a:bodyPr/>
-                    <a:lstStyle/>
-                    <a:p>
-                      <a:r>
-                        <a:rPr lang="ru-RU" sz="1600" dirty="0"/>
-                        <a:t>Сайт на 1С </a:t>
-                      </a:r>
-                      <a:r>
-                        <a:rPr lang="ru-RU" sz="1600" dirty="0" err="1"/>
-                        <a:t>Битрикс</a:t>
-                      </a:r>
-                      <a:r>
-                        <a:rPr lang="ru-RU" sz="1600" dirty="0"/>
-                        <a:t> (не магазин)</a:t>
-                      </a:r>
-                    </a:p>
-                  </a:txBody>
-                  <a:tcPr/>
-                </a:tc>
-                <a:tc>
-                  <a:txBody>
-                    <a:bodyPr/>
-                    <a:lstStyle/>
-                    <a:p>
-                      <a:pPr algn="ctr"/>
-                      <a:r>
-                        <a:rPr lang="ru-RU" sz="1600" dirty="0"/>
-                        <a:t>от 15 000 р. </a:t>
-                      </a:r>
-                    </a:p>
-                  </a:txBody>
-                  <a:tcPr/>
-                </a:tc>
-                <a:extLst>
-                  <a:ext uri="{0D108BD9-81ED-4DB2-BD59-A6C34878D82A}">
-                    <a16:rowId xmlns:a16="http://schemas.microsoft.com/office/drawing/2014/main" val="3446967812"/>
-                  </a:ext>
-                </a:extLst>
-              </a:tr>
-              <a:tr h="370840">
-                <a:tc>
-                  <a:txBody>
-                    <a:bodyPr/>
-                    <a:lstStyle/>
-                    <a:p>
-                      <a:pPr marL="0" marR="0" lvl="0" indent="0" algn="l" defTabSz="914400" rtl="0" eaLnBrk="1" fontAlgn="auto" latinLnBrk="0" hangingPunct="1">
-                        <a:lnSpc>
-                          <a:spcPct val="100000"/>
-                        </a:lnSpc>
-                        <a:spcBef>
-                          <a:spcPts val="0"/>
-                        </a:spcBef>
-                        <a:spcAft>
-                          <a:spcPts val="0"/>
-                        </a:spcAft>
-                        <a:buClrTx/>
-                        <a:buSzTx/>
-                        <a:buFontTx/>
-                        <a:buNone/>
-                        <a:tabLst/>
-                        <a:defRPr/>
-                      </a:pPr>
-                      <a:r>
-                        <a:rPr lang="ru-RU" sz="1600" dirty="0"/>
-                        <a:t>Сайт на 1С </a:t>
-                      </a:r>
-                      <a:r>
-                        <a:rPr lang="ru-RU" sz="1600" dirty="0" err="1"/>
-                        <a:t>Битрикс</a:t>
-                      </a:r>
-                      <a:r>
-                        <a:rPr lang="ru-RU" sz="1600" dirty="0"/>
-                        <a:t> – Магазин</a:t>
-                      </a:r>
-                    </a:p>
-                  </a:txBody>
-                  <a:tcPr/>
-                </a:tc>
-                <a:tc>
-                  <a:txBody>
-                    <a:bodyPr/>
-                    <a:lstStyle/>
-                    <a:p>
-                      <a:pPr algn="ctr"/>
-                      <a:r>
-                        <a:rPr lang="ru-RU" sz="1600" dirty="0"/>
-                        <a:t>от 21 000 р.</a:t>
-                      </a:r>
-                    </a:p>
-                  </a:txBody>
-                  <a:tcPr/>
-                </a:tc>
-                <a:extLst>
-                  <a:ext uri="{0D108BD9-81ED-4DB2-BD59-A6C34878D82A}">
-                    <a16:rowId xmlns:a16="http://schemas.microsoft.com/office/drawing/2014/main" val="204655076"/>
-                  </a:ext>
-                </a:extLst>
-              </a:tr>
-              <a:tr h="0">
-                <a:tc>
-                  <a:txBody>
-                    <a:bodyPr/>
-                    <a:lstStyle/>
-                    <a:p>
-                      <a:pPr marL="0" marR="0" lvl="0" indent="0" algn="l" defTabSz="914400" rtl="0" eaLnBrk="1" fontAlgn="auto" latinLnBrk="0" hangingPunct="1">
-                        <a:lnSpc>
-                          <a:spcPct val="100000"/>
-                        </a:lnSpc>
-                        <a:spcBef>
-                          <a:spcPts val="0"/>
-                        </a:spcBef>
-                        <a:spcAft>
-                          <a:spcPts val="0"/>
-                        </a:spcAft>
-                        <a:buClrTx/>
-                        <a:buSzTx/>
-                        <a:buFontTx/>
-                        <a:buNone/>
-                        <a:tabLst/>
-                        <a:defRPr/>
-                      </a:pPr>
-                      <a:r>
-                        <a:rPr lang="ru-RU" sz="1600" dirty="0"/>
-                        <a:t>Корпоративные сайты</a:t>
-                      </a:r>
-                    </a:p>
-                  </a:txBody>
-                  <a:tcPr/>
-                </a:tc>
-                <a:tc>
-                  <a:txBody>
-                    <a:bodyPr/>
-                    <a:lstStyle/>
-                    <a:p>
-                      <a:pPr algn="ctr"/>
-                      <a:r>
-                        <a:rPr lang="ru-RU" sz="1600" dirty="0"/>
-                        <a:t>от 30 000 р.</a:t>
-                      </a:r>
-                    </a:p>
-                  </a:txBody>
-                  <a:tcPr/>
-                </a:tc>
-                <a:extLst>
-                  <a:ext uri="{0D108BD9-81ED-4DB2-BD59-A6C34878D82A}">
-                    <a16:rowId xmlns:a16="http://schemas.microsoft.com/office/drawing/2014/main" val="3022990342"/>
-                  </a:ext>
-                </a:extLst>
-              </a:tr>
-              <a:tr h="370840">
-                <a:tc>
-                  <a:txBody>
-                    <a:bodyPr/>
-                    <a:lstStyle/>
-                    <a:p>
-                      <a:pPr marL="0" marR="0" lvl="0" indent="0" algn="l" defTabSz="914400" rtl="0" eaLnBrk="1" fontAlgn="auto" latinLnBrk="0" hangingPunct="1">
-                        <a:lnSpc>
-                          <a:spcPct val="100000"/>
-                        </a:lnSpc>
-                        <a:spcBef>
-                          <a:spcPts val="0"/>
-                        </a:spcBef>
-                        <a:spcAft>
-                          <a:spcPts val="0"/>
-                        </a:spcAft>
-                        <a:buClrTx/>
-                        <a:buSzTx/>
-                        <a:buFontTx/>
-                        <a:buNone/>
-                        <a:tabLst/>
-                        <a:defRPr/>
-                      </a:pPr>
-                      <a:r>
-                        <a:rPr lang="ru-RU" sz="1600" u="none" kern="1200">
-                          <a:solidFill>
-                            <a:schemeClr val="dk1"/>
-                          </a:solidFill>
-                          <a:latin typeface="+mn-lt"/>
-                          <a:ea typeface="+mn-ea"/>
-                          <a:cs typeface="+mn-cs"/>
-                        </a:rPr>
-                        <a:t>Сайт на основе готового отраслевого решения</a:t>
-                      </a:r>
-                    </a:p>
-                  </a:txBody>
-                  <a:tcPr/>
-                </a:tc>
-                <a:tc>
-                  <a:txBody>
-                    <a:bodyPr/>
-                    <a:lstStyle/>
-                    <a:p>
-                      <a:pPr algn="ctr"/>
-                      <a:r>
-                        <a:rPr lang="ru-RU" sz="1600" dirty="0"/>
-                        <a:t>От 10 000 р.</a:t>
-                      </a:r>
-                    </a:p>
-                  </a:txBody>
-                  <a:tcPr/>
-                </a:tc>
-                <a:extLst>
-                  <a:ext uri="{0D108BD9-81ED-4DB2-BD59-A6C34878D82A}">
-                    <a16:rowId xmlns:a16="http://schemas.microsoft.com/office/drawing/2014/main" val="3655545532"/>
+                    <a16:rowId xmlns:a16="http://schemas.microsoft.com/office/drawing/2014/main" val="3610352527"/>
                   </a:ext>
                 </a:extLst>
               </a:tr>
@@ -9001,7 +8325,7 @@
     </p:spTree>
     <p:extLst>
       <p:ext uri="{BB962C8B-B14F-4D97-AF65-F5344CB8AC3E}">
-        <p14:creationId xmlns:p14="http://schemas.microsoft.com/office/powerpoint/2010/main" val="1424072989"/>
+        <p14:creationId xmlns:p14="http://schemas.microsoft.com/office/powerpoint/2010/main" val="2152487951"/>
       </p:ext>
     </p:extLst>
   </p:cSld>

--- a/public/Прайс по разработке сайтов, интернет продвижению и.pptx
+++ b/public/Прайс по разработке сайтов, интернет продвижению и.pptx
@@ -7,6 +7,9 @@
   <p:sldIdLst>
     <p:sldId id="256" r:id="rId2"/>
     <p:sldId id="257" r:id="rId3"/>
+    <p:sldId id="258" r:id="rId4"/>
+    <p:sldId id="259" r:id="rId5"/>
+    <p:sldId id="260" r:id="rId6"/>
   </p:sldIdLst>
   <p:sldSz cx="12192000" cy="6858000"/>
   <p:notesSz cx="6858000" cy="9144000"/>
@@ -387,7 +390,7 @@
           <a:p>
             <a:fld id="{78ABE3C1-DBE1-495D-B57B-2849774B866A}" type="datetimeFigureOut">
               <a:rPr lang="en-US" dirty="0"/>
-              <a:t>5/26/2023</a:t>
+              <a:t>5/29/2023</a:t>
             </a:fld>
             <a:endParaRPr lang="en-US" dirty="0"/>
           </a:p>
@@ -796,7 +799,7 @@
           <a:p>
             <a:fld id="{446C117F-5CCF-4837-BE5F-2B92066CAFAF}" type="datetimeFigureOut">
               <a:rPr lang="en-US" dirty="0"/>
-              <a:t>5/26/2023</a:t>
+              <a:t>5/29/2023</a:t>
             </a:fld>
             <a:endParaRPr lang="en-US" dirty="0"/>
           </a:p>
@@ -1127,7 +1130,7 @@
           <a:p>
             <a:fld id="{84EB90BD-B6CE-46B7-997F-7313B992CCDC}" type="datetimeFigureOut">
               <a:rPr lang="en-US" dirty="0"/>
-              <a:t>5/26/2023</a:t>
+              <a:t>5/29/2023</a:t>
             </a:fld>
             <a:endParaRPr lang="en-US" dirty="0"/>
           </a:p>
@@ -1527,7 +1530,7 @@
           <a:p>
             <a:fld id="{CDB9D11F-B188-461D-B23F-39381795C052}" type="datetimeFigureOut">
               <a:rPr lang="en-US" dirty="0"/>
-              <a:t>5/26/2023</a:t>
+              <a:t>5/29/2023</a:t>
             </a:fld>
             <a:endParaRPr lang="en-US" dirty="0"/>
           </a:p>
@@ -2090,7 +2093,7 @@
           <a:p>
             <a:fld id="{52E6D8D9-55A2-4063-B0F3-121F44549695}" type="datetimeFigureOut">
               <a:rPr lang="en-US" dirty="0"/>
-              <a:t>5/26/2023</a:t>
+              <a:t>5/29/2023</a:t>
             </a:fld>
             <a:endParaRPr lang="en-US" dirty="0"/>
           </a:p>
@@ -2766,7 +2769,7 @@
           <a:p>
             <a:fld id="{D4B24536-994D-4021-A283-9F449C0DB509}" type="datetimeFigureOut">
               <a:rPr lang="en-US" dirty="0"/>
-              <a:t>5/26/2023</a:t>
+              <a:t>5/29/2023</a:t>
             </a:fld>
             <a:endParaRPr lang="en-US" dirty="0"/>
           </a:p>
@@ -3674,7 +3677,7 @@
           <a:p>
             <a:fld id="{3CBBBB78-C96F-47B7-AB17-D852CA960AC9}" type="datetimeFigureOut">
               <a:rPr lang="en-US" dirty="0"/>
-              <a:t>5/26/2023</a:t>
+              <a:t>5/29/2023</a:t>
             </a:fld>
             <a:endParaRPr lang="en-US" dirty="0"/>
           </a:p>
@@ -3982,7 +3985,7 @@
           <a:p>
             <a:fld id="{1FA3F48C-C7C6-4055-9F49-3777875E72AE}" type="datetimeFigureOut">
               <a:rPr lang="en-US" dirty="0"/>
-              <a:t>5/26/2023</a:t>
+              <a:t>5/29/2023</a:t>
             </a:fld>
             <a:endParaRPr lang="en-US" dirty="0"/>
           </a:p>
@@ -4241,7 +4244,7 @@
           <a:p>
             <a:fld id="{6178E61D-D431-422C-9764-11DAFE33AB63}" type="datetimeFigureOut">
               <a:rPr lang="en-US" dirty="0"/>
-              <a:t>5/26/2023</a:t>
+              <a:t>5/29/2023</a:t>
             </a:fld>
             <a:endParaRPr lang="en-US" dirty="0"/>
           </a:p>
@@ -4560,7 +4563,7 @@
           <a:p>
             <a:fld id="{12DE42F4-6EEF-4EF7-8ED4-2208F0F89A08}" type="datetimeFigureOut">
               <a:rPr lang="en-US" dirty="0"/>
-              <a:t>5/26/2023</a:t>
+              <a:t>5/29/2023</a:t>
             </a:fld>
             <a:endParaRPr lang="en-US" dirty="0"/>
           </a:p>
@@ -4944,7 +4947,7 @@
           <a:p>
             <a:fld id="{30578ACC-22D6-47C1-A373-4FD133E34F3C}" type="datetimeFigureOut">
               <a:rPr lang="en-US" dirty="0"/>
-              <a:t>5/26/2023</a:t>
+              <a:t>5/29/2023</a:t>
             </a:fld>
             <a:endParaRPr lang="en-US" dirty="0"/>
           </a:p>
@@ -5315,7 +5318,7 @@
           <a:p>
             <a:fld id="{4E5A6C69-6797-4E8A-BF37-F2C3751466E9}" type="datetimeFigureOut">
               <a:rPr lang="en-US" dirty="0"/>
-              <a:t>5/26/2023</a:t>
+              <a:t>5/29/2023</a:t>
             </a:fld>
             <a:endParaRPr lang="en-US" dirty="0"/>
           </a:p>
@@ -5816,7 +5819,7 @@
           <a:p>
             <a:fld id="{D82014A1-A632-4878-A0D3-F52BA7563730}" type="datetimeFigureOut">
               <a:rPr lang="en-US" dirty="0"/>
-              <a:t>5/26/2023</a:t>
+              <a:t>5/29/2023</a:t>
             </a:fld>
             <a:endParaRPr lang="en-US" dirty="0"/>
           </a:p>
@@ -6068,7 +6071,7 @@
           <a:p>
             <a:fld id="{CE99F462-093F-4566-844B-4C71F2739DA5}" type="datetimeFigureOut">
               <a:rPr lang="en-US" dirty="0"/>
-              <a:t>5/26/2023</a:t>
+              <a:t>5/29/2023</a:t>
             </a:fld>
             <a:endParaRPr lang="en-US" dirty="0"/>
           </a:p>
@@ -6226,7 +6229,7 @@
           <a:p>
             <a:fld id="{3D24A7AC-904D-4781-85BA-7D10C17ED021}" type="datetimeFigureOut">
               <a:rPr lang="en-US" dirty="0"/>
-              <a:t>5/26/2023</a:t>
+              <a:t>5/29/2023</a:t>
             </a:fld>
             <a:endParaRPr lang="en-US" dirty="0"/>
           </a:p>
@@ -6611,7 +6614,7 @@
           <a:p>
             <a:fld id="{E331444B-B92B-4E27-8C94-BB93EAF5CB18}" type="datetimeFigureOut">
               <a:rPr lang="en-US" dirty="0"/>
-              <a:t>5/26/2023</a:t>
+              <a:t>5/29/2023</a:t>
             </a:fld>
             <a:endParaRPr lang="en-US" dirty="0"/>
           </a:p>
@@ -7015,7 +7018,7 @@
           <a:p>
             <a:fld id="{363EFA5E-FA76-400D-B3DC-F0BA90E6D107}" type="datetimeFigureOut">
               <a:rPr lang="en-US" dirty="0"/>
-              <a:t>5/26/2023</a:t>
+              <a:t>5/29/2023</a:t>
             </a:fld>
             <a:endParaRPr lang="en-US" dirty="0"/>
           </a:p>
@@ -7254,7 +7257,7 @@
           <a:p>
             <a:fld id="{9D6E9DEC-419B-4CC5-A080-3B06BD5A8291}" type="datetimeFigureOut">
               <a:rPr lang="en-US" dirty="0"/>
-              <a:t>5/26/2023</a:t>
+              <a:t>5/29/2023</a:t>
             </a:fld>
             <a:endParaRPr lang="en-US" dirty="0"/>
           </a:p>
@@ -7878,7 +7881,7 @@
             <p:ph idx="1"/>
             <p:extLst>
               <p:ext uri="{D42A27DB-BD31-4B8C-83A1-F6EECF244321}">
-                <p14:modId xmlns:p14="http://schemas.microsoft.com/office/powerpoint/2010/main" val="3867054171"/>
+                <p14:modId xmlns:p14="http://schemas.microsoft.com/office/powerpoint/2010/main" val="4130869571"/>
               </p:ext>
             </p:extLst>
           </p:nvPr>
@@ -7969,7 +7972,10 @@
                     <a:lstStyle/>
                     <a:p>
                       <a:pPr algn="ctr"/>
-                      <a:endParaRPr lang="ru-RU" sz="1600" dirty="0"/>
+                      <a:r>
+                        <a:rPr lang="ru-RU" sz="1600" dirty="0"/>
+                        <a:t>От 6 000</a:t>
+                      </a:r>
                     </a:p>
                   </a:txBody>
                   <a:tcPr/>
@@ -8017,7 +8023,10 @@
                     <a:lstStyle/>
                     <a:p>
                       <a:pPr algn="ctr"/>
-                      <a:endParaRPr lang="ru-RU" sz="1600" dirty="0"/>
+                      <a:r>
+                        <a:rPr lang="ru-RU" sz="1600" dirty="0"/>
+                        <a:t>От 14 000</a:t>
+                      </a:r>
                     </a:p>
                   </a:txBody>
                   <a:tcPr/>
@@ -8057,7 +8066,10 @@
                     <a:lstStyle/>
                     <a:p>
                       <a:pPr algn="ctr"/>
-                      <a:endParaRPr lang="ru-RU" sz="1600" dirty="0"/>
+                      <a:r>
+                        <a:rPr lang="ru-RU" sz="1600" dirty="0"/>
+                        <a:t>От 12 000</a:t>
+                      </a:r>
                     </a:p>
                   </a:txBody>
                   <a:tcPr/>
@@ -8075,17 +8087,10 @@
                     <a:lstStyle/>
                     <a:p>
                       <a:r>
-                        <a:rPr lang="ru-RU" sz="1600" dirty="0"/>
-                        <a:t>Сайт на 1С </a:t>
+                        <a:rPr lang="ru-RU" sz="1600"/>
+                        <a:t>Сайты-Каталоги</a:t>
                       </a:r>
-                      <a:r>
-                        <a:rPr lang="ru-RU" sz="1600" dirty="0" err="1"/>
-                        <a:t>Битрикс</a:t>
-                      </a:r>
-                      <a:r>
-                        <a:rPr lang="ru-RU" sz="1600" dirty="0"/>
-                        <a:t> (не магазин)</a:t>
-                      </a:r>
+                      <a:endParaRPr lang="ru-RU" sz="1600" dirty="0"/>
                     </a:p>
                   </a:txBody>
                   <a:tcPr/>
@@ -8096,7 +8101,10 @@
                     <a:lstStyle/>
                     <a:p>
                       <a:pPr algn="ctr"/>
-                      <a:endParaRPr lang="ru-RU" sz="1600" dirty="0"/>
+                      <a:r>
+                        <a:rPr lang="ru-RU" sz="1600" dirty="0"/>
+                        <a:t>От 28 000</a:t>
+                      </a:r>
                     </a:p>
                   </a:txBody>
                   <a:tcPr/>
@@ -8132,15 +8140,7 @@
                       </a:pPr>
                       <a:r>
                         <a:rPr lang="ru-RU" sz="1600" dirty="0"/>
-                        <a:t>Сайт на 1С </a:t>
-                      </a:r>
-                      <a:r>
-                        <a:rPr lang="ru-RU" sz="1600" dirty="0" err="1"/>
-                        <a:t>Битрикс</a:t>
-                      </a:r>
-                      <a:r>
-                        <a:rPr lang="ru-RU" sz="1600" dirty="0"/>
-                        <a:t> – Магазин</a:t>
+                        <a:t>Сайты-Магазины</a:t>
                       </a:r>
                     </a:p>
                   </a:txBody>
@@ -8152,7 +8152,10 @@
                     <a:lstStyle/>
                     <a:p>
                       <a:pPr algn="ctr"/>
-                      <a:endParaRPr lang="ru-RU" sz="1600" dirty="0"/>
+                      <a:r>
+                        <a:rPr lang="ru-RU" sz="1600" dirty="0"/>
+                        <a:t>От 38 000</a:t>
+                      </a:r>
                     </a:p>
                   </a:txBody>
                   <a:tcPr/>
@@ -8200,7 +8203,10 @@
                     <a:lstStyle/>
                     <a:p>
                       <a:pPr algn="ctr"/>
-                      <a:endParaRPr lang="ru-RU" sz="1600" dirty="0"/>
+                      <a:r>
+                        <a:rPr lang="ru-RU" sz="1600" dirty="0"/>
+                        <a:t>От 59 000</a:t>
+                      </a:r>
                     </a:p>
                   </a:txBody>
                   <a:tcPr/>
@@ -8243,8 +8249,60 @@
                           <a:ea typeface="+mn-ea"/>
                           <a:cs typeface="+mn-cs"/>
                         </a:rPr>
-                        <a:t>Сайт на основе готового отраслевого решения</a:t>
+                        <a:t>Сайт на </a:t>
                       </a:r>
+                      <a:r>
+                        <a:rPr lang="ru-RU" sz="1600" u="none" kern="1200">
+                          <a:solidFill>
+                            <a:schemeClr val="dk1"/>
+                          </a:solidFill>
+                          <a:latin typeface="+mn-lt"/>
+                          <a:ea typeface="+mn-ea"/>
+                          <a:cs typeface="+mn-cs"/>
+                        </a:rPr>
+                        <a:t>основе </a:t>
+                      </a:r>
+                      <a:r>
+                        <a:rPr lang="en-US" sz="1600" u="none" kern="1200">
+                          <a:solidFill>
+                            <a:schemeClr val="dk1"/>
+                          </a:solidFill>
+                          <a:latin typeface="+mn-lt"/>
+                          <a:ea typeface="+mn-ea"/>
+                          <a:cs typeface="+mn-cs"/>
+                        </a:rPr>
+                        <a:t>CMS </a:t>
+                      </a:r>
+                      <a:r>
+                        <a:rPr lang="ru-RU" sz="1600" u="none" kern="1200">
+                          <a:solidFill>
+                            <a:schemeClr val="dk1"/>
+                          </a:solidFill>
+                          <a:latin typeface="+mn-lt"/>
+                          <a:ea typeface="+mn-ea"/>
+                          <a:cs typeface="+mn-cs"/>
+                        </a:rPr>
+                        <a:t>1С </a:t>
+                      </a:r>
+                      <a:r>
+                        <a:rPr lang="en-US" sz="1600" u="none" kern="1200">
+                          <a:solidFill>
+                            <a:schemeClr val="dk1"/>
+                          </a:solidFill>
+                          <a:latin typeface="+mn-lt"/>
+                          <a:ea typeface="+mn-ea"/>
+                          <a:cs typeface="+mn-cs"/>
+                        </a:rPr>
+                        <a:t>bitrix </a:t>
+                      </a:r>
+                      <a:endParaRPr lang="ru-RU" sz="1600" u="none" kern="1200" dirty="0">
+                        <a:solidFill>
+                          <a:schemeClr val="dk1"/>
+                        </a:solidFill>
+                        <a:latin typeface="+mn-lt"/>
+                        <a:ea typeface="+mn-ea"/>
+                        <a:cs typeface="+mn-cs"/>
+                      </a:endParaRPr>
                     </a:p>
                   </a:txBody>
                   <a:tcPr/>
@@ -8255,7 +8313,10 @@
                     <a:lstStyle/>
                     <a:p>
                       <a:pPr algn="ctr"/>
-                      <a:endParaRPr lang="ru-RU" sz="1600" dirty="0"/>
+                      <a:r>
+                        <a:rPr lang="ru-RU" sz="1600" dirty="0"/>
+                        <a:t>От 39 000*</a:t>
+                      </a:r>
                     </a:p>
                   </a:txBody>
                   <a:tcPr/>
@@ -8289,6 +8350,61 @@
                         <a:tabLst/>
                         <a:defRPr/>
                       </a:pPr>
+                      <a:r>
+                        <a:rPr lang="ru-RU" sz="1600" u="none" kern="1200" dirty="0">
+                          <a:solidFill>
+                            <a:schemeClr val="dk1"/>
+                          </a:solidFill>
+                          <a:latin typeface="+mn-lt"/>
+                          <a:ea typeface="+mn-ea"/>
+                          <a:cs typeface="+mn-cs"/>
+                        </a:rPr>
+                        <a:t>Сайт-Магазин на основе </a:t>
+                      </a:r>
+                      <a:r>
+                        <a:rPr lang="en-US" sz="1600" u="none" kern="1200" dirty="0">
+                          <a:solidFill>
+                            <a:schemeClr val="dk1"/>
+                          </a:solidFill>
+                          <a:latin typeface="+mn-lt"/>
+                          <a:ea typeface="+mn-ea"/>
+                          <a:cs typeface="+mn-cs"/>
+                        </a:rPr>
+                        <a:t>CMS </a:t>
+                      </a:r>
+                      <a:r>
+                        <a:rPr lang="ru-RU" sz="1600" u="none" kern="1200" dirty="0">
+                          <a:solidFill>
+                            <a:schemeClr val="dk1"/>
+                          </a:solidFill>
+                          <a:latin typeface="+mn-lt"/>
+                          <a:ea typeface="+mn-ea"/>
+                          <a:cs typeface="+mn-cs"/>
+                        </a:rPr>
+                        <a:t>1С </a:t>
+                      </a:r>
+                      <a:r>
+                        <a:rPr lang="en-US" sz="1600" u="none" kern="1200" dirty="0" err="1">
+                          <a:solidFill>
+                            <a:schemeClr val="dk1"/>
+                          </a:solidFill>
+                          <a:latin typeface="+mn-lt"/>
+                          <a:ea typeface="+mn-ea"/>
+                          <a:cs typeface="+mn-cs"/>
+                        </a:rPr>
+                        <a:t>bitrix</a:t>
+                      </a:r>
+                      <a:r>
+                        <a:rPr lang="en-US" sz="1600" u="none" kern="1200" dirty="0">
+                          <a:solidFill>
+                            <a:schemeClr val="dk1"/>
+                          </a:solidFill>
+                          <a:latin typeface="+mn-lt"/>
+                          <a:ea typeface="+mn-ea"/>
+                          <a:cs typeface="+mn-cs"/>
+                        </a:rPr>
+                        <a:t> </a:t>
+                      </a:r>
                       <a:endParaRPr lang="ru-RU" sz="1600" u="none" kern="1200" dirty="0">
                         <a:solidFill>
                           <a:schemeClr val="dk1"/>
@@ -8307,7 +8423,1710 @@
                     <a:lstStyle/>
                     <a:p>
                       <a:pPr algn="ctr"/>
+                      <a:r>
+                        <a:rPr lang="ru-RU" sz="1600" dirty="0"/>
+                        <a:t>От 49 000*</a:t>
+                      </a:r>
+                    </a:p>
+                  </a:txBody>
+                  <a:tcPr/>
+                </a:tc>
+                <a:extLst>
+                  <a:ext uri="{0D108BD9-81ED-4DB2-BD59-A6C34878D82A}">
+                    <a16:rowId xmlns:a16="http://schemas.microsoft.com/office/drawing/2014/main" val="3610352527"/>
+                  </a:ext>
+                </a:extLst>
+              </a:tr>
+            </a:tbl>
+          </a:graphicData>
+        </a:graphic>
+      </p:graphicFrame>
+      <p:sp>
+        <p:nvSpPr>
+          <p:cNvPr id="3" name="Заголовок 1">
+            <a:extLst>
+              <a:ext uri="{FF2B5EF4-FFF2-40B4-BE49-F238E27FC236}">
+                <a16:creationId xmlns:a16="http://schemas.microsoft.com/office/drawing/2014/main" id="{0572D0DE-3F21-B329-BB5A-00A68FDFCEF7}"/>
+              </a:ext>
+            </a:extLst>
+          </p:cNvPr>
+          <p:cNvSpPr txBox="1">
+            <a:spLocks/>
+          </p:cNvSpPr>
+          <p:nvPr/>
+        </p:nvSpPr>
+        <p:spPr>
+          <a:xfrm>
+            <a:off x="680320" y="5763283"/>
+            <a:ext cx="9613861" cy="1080938"/>
+          </a:xfrm>
+          <a:prstGeom prst="rect">
+            <a:avLst/>
+          </a:prstGeom>
+        </p:spPr>
+        <p:txBody>
+          <a:bodyPr vert="horz" lIns="91440" tIns="45720" rIns="91440" bIns="45720" rtlCol="0" anchor="ctr">
+            <a:normAutofit/>
+          </a:bodyPr>
+          <a:lstStyle>
+            <a:lvl1pPr algn="l" defTabSz="914400" rtl="0" eaLnBrk="1" latinLnBrk="0" hangingPunct="1">
+              <a:lnSpc>
+                <a:spcPct val="90000"/>
+              </a:lnSpc>
+              <a:spcBef>
+                <a:spcPct val="0"/>
+              </a:spcBef>
+              <a:buNone/>
+              <a:defRPr sz="3600" kern="1200">
+                <a:solidFill>
+                  <a:schemeClr val="tx1"/>
+                </a:solidFill>
+                <a:latin typeface="+mj-lt"/>
+                <a:ea typeface="+mj-ea"/>
+                <a:cs typeface="+mj-cs"/>
+              </a:defRPr>
+            </a:lvl1pPr>
+          </a:lstStyle>
+          <a:p>
+            <a:r>
+              <a:rPr lang="ru-RU" sz="1200" dirty="0"/>
+              <a:t>* - цена не включает стоимость лицензии 1С </a:t>
+            </a:r>
+            <a:r>
+              <a:rPr lang="en-US" sz="1200" dirty="0" err="1"/>
+              <a:t>bitirx</a:t>
+            </a:r>
+            <a:r>
+              <a:rPr lang="en-US" sz="1200" dirty="0"/>
+              <a:t>/</a:t>
+            </a:r>
+            <a:endParaRPr lang="ru-RU" sz="1200" dirty="0"/>
+          </a:p>
+        </p:txBody>
+      </p:sp>
+    </p:spTree>
+    <p:extLst>
+      <p:ext uri="{BB962C8B-B14F-4D97-AF65-F5344CB8AC3E}">
+        <p14:creationId xmlns:p14="http://schemas.microsoft.com/office/powerpoint/2010/main" val="2152487951"/>
+      </p:ext>
+    </p:extLst>
+  </p:cSld>
+  <p:clrMapOvr>
+    <a:masterClrMapping/>
+  </p:clrMapOvr>
+</p:sld>
+</file>
+
+<file path=ppt/slides/slide3.xml><?xml version="1.0" encoding="utf-8"?>
+<p:sld xmlns:a="http://schemas.openxmlformats.org/drawingml/2006/main" xmlns:r="http://schemas.openxmlformats.org/officeDocument/2006/relationships" xmlns:p="http://schemas.openxmlformats.org/presentationml/2006/main">
+  <p:cSld>
+    <p:spTree>
+      <p:nvGrpSpPr>
+        <p:cNvPr id="1" name=""/>
+        <p:cNvGrpSpPr/>
+        <p:nvPr/>
+      </p:nvGrpSpPr>
+      <p:grpSpPr>
+        <a:xfrm>
+          <a:off x="0" y="0"/>
+          <a:ext cx="0" cy="0"/>
+          <a:chOff x="0" y="0"/>
+          <a:chExt cx="0" cy="0"/>
+        </a:xfrm>
+      </p:grpSpPr>
+      <p:sp>
+        <p:nvSpPr>
+          <p:cNvPr id="2" name="Заголовок 1">
+            <a:extLst>
+              <a:ext uri="{FF2B5EF4-FFF2-40B4-BE49-F238E27FC236}">
+                <a16:creationId xmlns:a16="http://schemas.microsoft.com/office/drawing/2014/main" id="{F095F6BF-0F01-3E61-E843-46B0647378EE}"/>
+              </a:ext>
+            </a:extLst>
+          </p:cNvPr>
+          <p:cNvSpPr>
+            <a:spLocks noGrp="1"/>
+          </p:cNvSpPr>
+          <p:nvPr>
+            <p:ph type="title"/>
+          </p:nvPr>
+        </p:nvSpPr>
+        <p:spPr/>
+        <p:txBody>
+          <a:bodyPr/>
+          <a:lstStyle/>
+          <a:p>
+            <a:r>
+              <a:rPr lang="en-US" dirty="0"/>
+              <a:t>Digital </a:t>
+            </a:r>
+            <a:r>
+              <a:rPr lang="ru-RU" dirty="0"/>
+              <a:t>Реклама</a:t>
+            </a:r>
+          </a:p>
+        </p:txBody>
+      </p:sp>
+      <p:graphicFrame>
+        <p:nvGraphicFramePr>
+          <p:cNvPr id="5" name="Таблица 5">
+            <a:extLst>
+              <a:ext uri="{FF2B5EF4-FFF2-40B4-BE49-F238E27FC236}">
+                <a16:creationId xmlns:a16="http://schemas.microsoft.com/office/drawing/2014/main" id="{E79996D2-4DAD-17AB-4632-DD7A3BD671DE}"/>
+              </a:ext>
+            </a:extLst>
+          </p:cNvPr>
+          <p:cNvGraphicFramePr>
+            <a:graphicFrameLocks noGrp="1"/>
+          </p:cNvGraphicFramePr>
+          <p:nvPr>
+            <p:ph idx="1"/>
+            <p:extLst>
+              <p:ext uri="{D42A27DB-BD31-4B8C-83A1-F6EECF244321}">
+                <p14:modId xmlns:p14="http://schemas.microsoft.com/office/powerpoint/2010/main" val="3560493861"/>
+              </p:ext>
+            </p:extLst>
+          </p:nvPr>
+        </p:nvGraphicFramePr>
+        <p:xfrm>
+          <a:off x="814506" y="2466363"/>
+          <a:ext cx="9613900" cy="3462184"/>
+        </p:xfrm>
+        <a:graphic>
+          <a:graphicData uri="http://schemas.openxmlformats.org/drawingml/2006/table">
+            <a:tbl>
+              <a:tblPr firstRow="1" bandRow="1">
+                <a:tableStyleId>{5C22544A-7EE6-4342-B048-85BDC9FD1C3A}</a:tableStyleId>
+              </a:tblPr>
+              <a:tblGrid>
+                <a:gridCol w="6425193">
+                  <a:extLst>
+                    <a:ext uri="{9D8B030D-6E8A-4147-A177-3AD203B41FA5}">
+                      <a16:colId xmlns:a16="http://schemas.microsoft.com/office/drawing/2014/main" val="55798866"/>
+                    </a:ext>
+                  </a:extLst>
+                </a:gridCol>
+                <a:gridCol w="3188707">
+                  <a:extLst>
+                    <a:ext uri="{9D8B030D-6E8A-4147-A177-3AD203B41FA5}">
+                      <a16:colId xmlns:a16="http://schemas.microsoft.com/office/drawing/2014/main" val="671085902"/>
+                    </a:ext>
+                  </a:extLst>
+                </a:gridCol>
+              </a:tblGrid>
+              <a:tr h="404024">
+                <a:tc gridSpan="2">
+                  <a:txBody>
+                    <a:bodyPr/>
+                    <a:lstStyle/>
+                    <a:p>
+                      <a:pPr algn="ctr"/>
+                      <a:r>
+                        <a:rPr lang="ru-RU" sz="1800" b="1" i="0" kern="1200" dirty="0">
+                          <a:solidFill>
+                            <a:schemeClr val="lt1"/>
+                          </a:solidFill>
+                          <a:effectLst/>
+                          <a:latin typeface="+mn-lt"/>
+                          <a:ea typeface="+mn-ea"/>
+                          <a:cs typeface="+mn-cs"/>
+                        </a:rPr>
+                        <a:t>Реклама</a:t>
+                      </a:r>
+                      <a:endParaRPr lang="ru-RU" dirty="0"/>
+                    </a:p>
+                  </a:txBody>
+                  <a:tcPr/>
+                </a:tc>
+                <a:tc hMerge="1">
+                  <a:txBody>
+                    <a:bodyPr/>
+                    <a:lstStyle/>
+                    <a:p>
+                      <a:endParaRPr lang="ru-RU" dirty="0"/>
+                    </a:p>
+                  </a:txBody>
+                  <a:tcPr/>
+                </a:tc>
+                <a:extLst>
+                  <a:ext uri="{0D108BD9-81ED-4DB2-BD59-A6C34878D82A}">
+                    <a16:rowId xmlns:a16="http://schemas.microsoft.com/office/drawing/2014/main" val="70998167"/>
+                  </a:ext>
+                </a:extLst>
+              </a:tr>
+              <a:tr h="370840">
+                <a:tc>
+                  <a:txBody>
+                    <a:bodyPr/>
+                    <a:lstStyle/>
+                    <a:p>
+                      <a:r>
+                        <a:rPr lang="ru-RU" sz="1600" dirty="0"/>
+                        <a:t>Разработка рекламной компании Яндекс Директ «под ключ»</a:t>
+                      </a:r>
+                    </a:p>
+                  </a:txBody>
+                  <a:tcPr/>
+                </a:tc>
+                <a:tc>
+                  <a:txBody>
+                    <a:bodyPr/>
+                    <a:lstStyle/>
+                    <a:p>
+                      <a:pPr algn="ctr"/>
+                      <a:r>
+                        <a:rPr lang="ru-RU" sz="1600" dirty="0"/>
+                        <a:t>От 15 000</a:t>
+                      </a:r>
+                    </a:p>
+                  </a:txBody>
+                  <a:tcPr/>
+                </a:tc>
+                <a:extLst>
+                  <a:ext uri="{0D108BD9-81ED-4DB2-BD59-A6C34878D82A}">
+                    <a16:rowId xmlns:a16="http://schemas.microsoft.com/office/drawing/2014/main" val="1772912691"/>
+                  </a:ext>
+                </a:extLst>
+              </a:tr>
+              <a:tr h="370840">
+                <a:tc>
+                  <a:txBody>
+                    <a:bodyPr/>
+                    <a:lstStyle/>
+                    <a:p>
+                      <a:pPr marL="0" marR="0" lvl="0" indent="0" algn="l" defTabSz="914400" rtl="0" eaLnBrk="1" fontAlgn="auto" latinLnBrk="0" hangingPunct="1">
+                        <a:lnSpc>
+                          <a:spcPct val="100000"/>
+                        </a:lnSpc>
+                        <a:spcBef>
+                          <a:spcPts val="0"/>
+                        </a:spcBef>
+                        <a:spcAft>
+                          <a:spcPts val="0"/>
+                        </a:spcAft>
+                        <a:buClrTx/>
+                        <a:buSzTx/>
+                        <a:buFontTx/>
+                        <a:buNone/>
+                        <a:tabLst/>
+                        <a:defRPr/>
+                      </a:pPr>
+                      <a:r>
+                        <a:rPr lang="ru-RU" sz="1600" dirty="0"/>
+                        <a:t>Разработка семантического ядра для рекламной компании Яндекс Директ</a:t>
+                      </a:r>
+                    </a:p>
+                  </a:txBody>
+                  <a:tcPr/>
+                </a:tc>
+                <a:tc>
+                  <a:txBody>
+                    <a:bodyPr/>
+                    <a:lstStyle/>
+                    <a:p>
+                      <a:pPr algn="ctr"/>
+                      <a:r>
+                        <a:rPr lang="ru-RU" sz="1600" dirty="0"/>
+                        <a:t>От 5 000</a:t>
+                      </a:r>
+                    </a:p>
+                  </a:txBody>
+                  <a:tcPr/>
+                </a:tc>
+                <a:extLst>
+                  <a:ext uri="{0D108BD9-81ED-4DB2-BD59-A6C34878D82A}">
+                    <a16:rowId xmlns:a16="http://schemas.microsoft.com/office/drawing/2014/main" val="3569906132"/>
+                  </a:ext>
+                </a:extLst>
+              </a:tr>
+              <a:tr h="370840">
+                <a:tc>
+                  <a:txBody>
+                    <a:bodyPr/>
+                    <a:lstStyle/>
+                    <a:p>
+                      <a:r>
+                        <a:rPr lang="ru-RU" sz="1600" dirty="0"/>
+                        <a:t>Аудит эффективности действующей рекламной компании Яндекс Директ</a:t>
+                      </a:r>
+                    </a:p>
+                  </a:txBody>
+                  <a:tcPr/>
+                </a:tc>
+                <a:tc>
+                  <a:txBody>
+                    <a:bodyPr/>
+                    <a:lstStyle/>
+                    <a:p>
+                      <a:pPr algn="ctr"/>
+                      <a:r>
+                        <a:rPr lang="ru-RU" sz="1600" dirty="0"/>
+                        <a:t>От 3 000</a:t>
+                      </a:r>
+                    </a:p>
+                  </a:txBody>
+                  <a:tcPr/>
+                </a:tc>
+                <a:extLst>
+                  <a:ext uri="{0D108BD9-81ED-4DB2-BD59-A6C34878D82A}">
+                    <a16:rowId xmlns:a16="http://schemas.microsoft.com/office/drawing/2014/main" val="2829827849"/>
+                  </a:ext>
+                </a:extLst>
+              </a:tr>
+              <a:tr h="370840">
+                <a:tc>
+                  <a:txBody>
+                    <a:bodyPr/>
+                    <a:lstStyle/>
+                    <a:p>
+                      <a:r>
+                        <a:rPr lang="ru-RU" sz="1600" dirty="0"/>
+                        <a:t>Разработка рекламной компании Яндекс Маркет «под ключ»</a:t>
+                      </a:r>
+                    </a:p>
+                  </a:txBody>
+                  <a:tcPr/>
+                </a:tc>
+                <a:tc>
+                  <a:txBody>
+                    <a:bodyPr/>
+                    <a:lstStyle/>
+                    <a:p>
+                      <a:pPr algn="ctr"/>
+                      <a:r>
+                        <a:rPr lang="ru-RU" sz="1600" dirty="0"/>
+                        <a:t>От 12 000</a:t>
+                      </a:r>
+                    </a:p>
+                  </a:txBody>
+                  <a:tcPr/>
+                </a:tc>
+                <a:extLst>
+                  <a:ext uri="{0D108BD9-81ED-4DB2-BD59-A6C34878D82A}">
+                    <a16:rowId xmlns:a16="http://schemas.microsoft.com/office/drawing/2014/main" val="3446967812"/>
+                  </a:ext>
+                </a:extLst>
+              </a:tr>
+              <a:tr h="370840">
+                <a:tc>
+                  <a:txBody>
+                    <a:bodyPr/>
+                    <a:lstStyle/>
+                    <a:p>
+                      <a:pPr marL="0" marR="0" lvl="0" indent="0" algn="l" defTabSz="914400" rtl="0" eaLnBrk="1" fontAlgn="auto" latinLnBrk="0" hangingPunct="1">
+                        <a:lnSpc>
+                          <a:spcPct val="100000"/>
+                        </a:lnSpc>
+                        <a:spcBef>
+                          <a:spcPts val="0"/>
+                        </a:spcBef>
+                        <a:spcAft>
+                          <a:spcPts val="0"/>
+                        </a:spcAft>
+                        <a:buClrTx/>
+                        <a:buSzTx/>
+                        <a:buFontTx/>
+                        <a:buNone/>
+                        <a:tabLst/>
+                        <a:defRPr/>
+                      </a:pPr>
+                      <a:r>
+                        <a:rPr lang="ru-RU" sz="1600" dirty="0"/>
+                        <a:t>Разработка семантического ядра для рекламной компании Яндекс Маркет</a:t>
+                      </a:r>
+                    </a:p>
+                  </a:txBody>
+                  <a:tcPr/>
+                </a:tc>
+                <a:tc>
+                  <a:txBody>
+                    <a:bodyPr/>
+                    <a:lstStyle/>
+                    <a:p>
+                      <a:pPr algn="ctr"/>
+                      <a:r>
+                        <a:rPr lang="ru-RU" sz="1600" dirty="0"/>
+                        <a:t>От 5 000</a:t>
+                      </a:r>
+                    </a:p>
+                  </a:txBody>
+                  <a:tcPr/>
+                </a:tc>
+                <a:extLst>
+                  <a:ext uri="{0D108BD9-81ED-4DB2-BD59-A6C34878D82A}">
+                    <a16:rowId xmlns:a16="http://schemas.microsoft.com/office/drawing/2014/main" val="204655076"/>
+                  </a:ext>
+                </a:extLst>
+              </a:tr>
+              <a:tr h="0">
+                <a:tc>
+                  <a:txBody>
+                    <a:bodyPr/>
+                    <a:lstStyle/>
+                    <a:p>
+                      <a:r>
+                        <a:rPr lang="ru-RU" sz="1600" dirty="0"/>
+                        <a:t>Аудит эффективности действующей рекламной компании Яндекс Маркет</a:t>
+                      </a:r>
+                    </a:p>
+                  </a:txBody>
+                  <a:tcPr/>
+                </a:tc>
+                <a:tc>
+                  <a:txBody>
+                    <a:bodyPr/>
+                    <a:lstStyle/>
+                    <a:p>
+                      <a:pPr algn="ctr"/>
+                      <a:r>
+                        <a:rPr lang="ru-RU" sz="1600" dirty="0"/>
+                        <a:t>От 2 000</a:t>
+                      </a:r>
+                    </a:p>
+                  </a:txBody>
+                  <a:tcPr/>
+                </a:tc>
+                <a:extLst>
+                  <a:ext uri="{0D108BD9-81ED-4DB2-BD59-A6C34878D82A}">
+                    <a16:rowId xmlns:a16="http://schemas.microsoft.com/office/drawing/2014/main" val="3022990342"/>
+                  </a:ext>
+                </a:extLst>
+              </a:tr>
+            </a:tbl>
+          </a:graphicData>
+        </a:graphic>
+      </p:graphicFrame>
+    </p:spTree>
+    <p:extLst>
+      <p:ext uri="{BB962C8B-B14F-4D97-AF65-F5344CB8AC3E}">
+        <p14:creationId xmlns:p14="http://schemas.microsoft.com/office/powerpoint/2010/main" val="1728047615"/>
+      </p:ext>
+    </p:extLst>
+  </p:cSld>
+  <p:clrMapOvr>
+    <a:masterClrMapping/>
+  </p:clrMapOvr>
+</p:sld>
+</file>
+
+<file path=ppt/slides/slide4.xml><?xml version="1.0" encoding="utf-8"?>
+<p:sld xmlns:a="http://schemas.openxmlformats.org/drawingml/2006/main" xmlns:r="http://schemas.openxmlformats.org/officeDocument/2006/relationships" xmlns:p="http://schemas.openxmlformats.org/presentationml/2006/main">
+  <p:cSld>
+    <p:spTree>
+      <p:nvGrpSpPr>
+        <p:cNvPr id="1" name=""/>
+        <p:cNvGrpSpPr/>
+        <p:nvPr/>
+      </p:nvGrpSpPr>
+      <p:grpSpPr>
+        <a:xfrm>
+          <a:off x="0" y="0"/>
+          <a:ext cx="0" cy="0"/>
+          <a:chOff x="0" y="0"/>
+          <a:chExt cx="0" cy="0"/>
+        </a:xfrm>
+      </p:grpSpPr>
+      <p:sp>
+        <p:nvSpPr>
+          <p:cNvPr id="2" name="Заголовок 1">
+            <a:extLst>
+              <a:ext uri="{FF2B5EF4-FFF2-40B4-BE49-F238E27FC236}">
+                <a16:creationId xmlns:a16="http://schemas.microsoft.com/office/drawing/2014/main" id="{F095F6BF-0F01-3E61-E843-46B0647378EE}"/>
+              </a:ext>
+            </a:extLst>
+          </p:cNvPr>
+          <p:cNvSpPr>
+            <a:spLocks noGrp="1"/>
+          </p:cNvSpPr>
+          <p:nvPr>
+            <p:ph type="title"/>
+          </p:nvPr>
+        </p:nvSpPr>
+        <p:spPr/>
+        <p:txBody>
+          <a:bodyPr/>
+          <a:lstStyle/>
+          <a:p>
+            <a:r>
+              <a:rPr lang="en-US" dirty="0"/>
+              <a:t>SEO </a:t>
+            </a:r>
+            <a:r>
+              <a:rPr lang="ru-RU" dirty="0"/>
+              <a:t>продвижение</a:t>
+            </a:r>
+          </a:p>
+        </p:txBody>
+      </p:sp>
+      <p:graphicFrame>
+        <p:nvGraphicFramePr>
+          <p:cNvPr id="5" name="Таблица 5">
+            <a:extLst>
+              <a:ext uri="{FF2B5EF4-FFF2-40B4-BE49-F238E27FC236}">
+                <a16:creationId xmlns:a16="http://schemas.microsoft.com/office/drawing/2014/main" id="{E79996D2-4DAD-17AB-4632-DD7A3BD671DE}"/>
+              </a:ext>
+            </a:extLst>
+          </p:cNvPr>
+          <p:cNvGraphicFramePr>
+            <a:graphicFrameLocks noGrp="1"/>
+          </p:cNvGraphicFramePr>
+          <p:nvPr>
+            <p:ph idx="1"/>
+            <p:extLst>
+              <p:ext uri="{D42A27DB-BD31-4B8C-83A1-F6EECF244321}">
+                <p14:modId xmlns:p14="http://schemas.microsoft.com/office/powerpoint/2010/main" val="3018574108"/>
+              </p:ext>
+            </p:extLst>
+          </p:nvPr>
+        </p:nvGraphicFramePr>
+        <p:xfrm>
+          <a:off x="814506" y="2466363"/>
+          <a:ext cx="9613900" cy="2971800"/>
+        </p:xfrm>
+        <a:graphic>
+          <a:graphicData uri="http://schemas.openxmlformats.org/drawingml/2006/table">
+            <a:tbl>
+              <a:tblPr firstRow="1" bandRow="1">
+                <a:tableStyleId>{5C22544A-7EE6-4342-B048-85BDC9FD1C3A}</a:tableStyleId>
+              </a:tblPr>
+              <a:tblGrid>
+                <a:gridCol w="6425193">
+                  <a:extLst>
+                    <a:ext uri="{9D8B030D-6E8A-4147-A177-3AD203B41FA5}">
+                      <a16:colId xmlns:a16="http://schemas.microsoft.com/office/drawing/2014/main" val="55798866"/>
+                    </a:ext>
+                  </a:extLst>
+                </a:gridCol>
+                <a:gridCol w="3188707">
+                  <a:extLst>
+                    <a:ext uri="{9D8B030D-6E8A-4147-A177-3AD203B41FA5}">
+                      <a16:colId xmlns:a16="http://schemas.microsoft.com/office/drawing/2014/main" val="671085902"/>
+                    </a:ext>
+                  </a:extLst>
+                </a:gridCol>
+              </a:tblGrid>
+              <a:tr h="316778">
+                <a:tc gridSpan="2">
+                  <a:txBody>
+                    <a:bodyPr/>
+                    <a:lstStyle/>
+                    <a:p>
+                      <a:pPr algn="ctr"/>
+                      <a:r>
+                        <a:rPr lang="ru-RU" sz="1800" b="1" i="0" kern="1200" dirty="0">
+                          <a:solidFill>
+                            <a:schemeClr val="lt1"/>
+                          </a:solidFill>
+                          <a:effectLst/>
+                          <a:latin typeface="+mn-lt"/>
+                          <a:ea typeface="+mn-ea"/>
+                          <a:cs typeface="+mn-cs"/>
+                        </a:rPr>
+                        <a:t>СЕО продвижение</a:t>
+                      </a:r>
+                      <a:endParaRPr lang="ru-RU" dirty="0"/>
+                    </a:p>
+                  </a:txBody>
+                  <a:tcPr/>
+                </a:tc>
+                <a:tc hMerge="1">
+                  <a:txBody>
+                    <a:bodyPr/>
+                    <a:lstStyle/>
+                    <a:p>
+                      <a:endParaRPr lang="ru-RU" dirty="0"/>
+                    </a:p>
+                  </a:txBody>
+                  <a:tcPr/>
+                </a:tc>
+                <a:extLst>
+                  <a:ext uri="{0D108BD9-81ED-4DB2-BD59-A6C34878D82A}">
+                    <a16:rowId xmlns:a16="http://schemas.microsoft.com/office/drawing/2014/main" val="70998167"/>
+                  </a:ext>
+                </a:extLst>
+              </a:tr>
+              <a:tr h="370840">
+                <a:tc>
+                  <a:txBody>
+                    <a:bodyPr/>
+                    <a:lstStyle/>
+                    <a:p>
+                      <a:r>
+                        <a:rPr lang="ru-RU" sz="1600" dirty="0"/>
+                        <a:t>СЕО </a:t>
+                      </a:r>
+                      <a:r>
+                        <a:rPr lang="en-US" sz="1600" dirty="0"/>
+                        <a:t>(SEO) </a:t>
+                      </a:r>
+                      <a:r>
+                        <a:rPr lang="ru-RU" sz="1600" dirty="0"/>
+                        <a:t>продвижение в Яндекс «под ключ» - результат по трафику</a:t>
+                      </a:r>
+                    </a:p>
+                  </a:txBody>
+                  <a:tcPr/>
+                </a:tc>
+                <a:tc>
+                  <a:txBody>
+                    <a:bodyPr/>
+                    <a:lstStyle/>
+                    <a:p>
+                      <a:pPr algn="ctr"/>
+                      <a:r>
+                        <a:rPr lang="ru-RU" sz="1600" dirty="0"/>
+                        <a:t>От 15 000/мес.</a:t>
+                      </a:r>
+                    </a:p>
+                  </a:txBody>
+                  <a:tcPr/>
+                </a:tc>
+                <a:extLst>
+                  <a:ext uri="{0D108BD9-81ED-4DB2-BD59-A6C34878D82A}">
+                    <a16:rowId xmlns:a16="http://schemas.microsoft.com/office/drawing/2014/main" val="1772912691"/>
+                  </a:ext>
+                </a:extLst>
+              </a:tr>
+              <a:tr h="370840">
+                <a:tc>
+                  <a:txBody>
+                    <a:bodyPr/>
+                    <a:lstStyle/>
+                    <a:p>
+                      <a:pPr marL="0" marR="0" lvl="0" indent="0" algn="l" defTabSz="914400" rtl="0" eaLnBrk="1" fontAlgn="auto" latinLnBrk="0" hangingPunct="1">
+                        <a:lnSpc>
+                          <a:spcPct val="100000"/>
+                        </a:lnSpc>
+                        <a:spcBef>
+                          <a:spcPts val="0"/>
+                        </a:spcBef>
+                        <a:spcAft>
+                          <a:spcPts val="0"/>
+                        </a:spcAft>
+                        <a:buClrTx/>
+                        <a:buSzTx/>
+                        <a:buFontTx/>
+                        <a:buNone/>
+                        <a:tabLst/>
+                        <a:defRPr/>
+                      </a:pPr>
+                      <a:r>
+                        <a:rPr lang="ru-RU" sz="1600" dirty="0"/>
+                        <a:t>СЕО </a:t>
+                      </a:r>
+                      <a:r>
+                        <a:rPr lang="en-US" sz="1600" dirty="0"/>
+                        <a:t>(SEO) </a:t>
+                      </a:r>
+                      <a:r>
+                        <a:rPr lang="ru-RU" sz="1600" dirty="0"/>
+                        <a:t>аудит сайта</a:t>
+                      </a:r>
+                    </a:p>
+                  </a:txBody>
+                  <a:tcPr/>
+                </a:tc>
+                <a:tc>
+                  <a:txBody>
+                    <a:bodyPr/>
+                    <a:lstStyle/>
+                    <a:p>
+                      <a:pPr algn="ctr"/>
+                      <a:r>
+                        <a:rPr lang="ru-RU" sz="1600" dirty="0"/>
+                        <a:t>От 5 000</a:t>
+                      </a:r>
+                    </a:p>
+                  </a:txBody>
+                  <a:tcPr/>
+                </a:tc>
+                <a:extLst>
+                  <a:ext uri="{0D108BD9-81ED-4DB2-BD59-A6C34878D82A}">
+                    <a16:rowId xmlns:a16="http://schemas.microsoft.com/office/drawing/2014/main" val="3569906132"/>
+                  </a:ext>
+                </a:extLst>
+              </a:tr>
+              <a:tr h="370840">
+                <a:tc>
+                  <a:txBody>
+                    <a:bodyPr/>
+                    <a:lstStyle/>
+                    <a:p>
+                      <a:r>
+                        <a:rPr lang="ru-RU" sz="1600" dirty="0"/>
+                        <a:t>СЕО </a:t>
+                      </a:r>
+                      <a:r>
+                        <a:rPr lang="en-US" sz="1600" dirty="0"/>
+                        <a:t>(SEO) </a:t>
+                      </a:r>
+                      <a:r>
+                        <a:rPr lang="ru-RU" sz="1600" dirty="0"/>
+                        <a:t>Техническая оптимизация сайта для всех ПС</a:t>
+                      </a:r>
+                    </a:p>
+                  </a:txBody>
+                  <a:tcPr/>
+                </a:tc>
+                <a:tc>
+                  <a:txBody>
+                    <a:bodyPr/>
+                    <a:lstStyle/>
+                    <a:p>
+                      <a:pPr algn="ctr"/>
+                      <a:r>
+                        <a:rPr lang="ru-RU" sz="1600" dirty="0"/>
+                        <a:t>От 12 000</a:t>
+                      </a:r>
+                    </a:p>
+                  </a:txBody>
+                  <a:tcPr/>
+                </a:tc>
+                <a:extLst>
+                  <a:ext uri="{0D108BD9-81ED-4DB2-BD59-A6C34878D82A}">
+                    <a16:rowId xmlns:a16="http://schemas.microsoft.com/office/drawing/2014/main" val="2829827849"/>
+                  </a:ext>
+                </a:extLst>
+              </a:tr>
+              <a:tr h="370840">
+                <a:tc>
+                  <a:txBody>
+                    <a:bodyPr/>
+                    <a:lstStyle/>
+                    <a:p>
+                      <a:r>
+                        <a:rPr lang="ru-RU" sz="1600" dirty="0"/>
+                        <a:t>СЕО </a:t>
+                      </a:r>
+                      <a:r>
+                        <a:rPr lang="en-US" sz="1600" dirty="0"/>
+                        <a:t>(SEO) </a:t>
+                      </a:r>
+                      <a:r>
+                        <a:rPr lang="ru-RU" sz="1600" dirty="0"/>
+                        <a:t>Семантическая оптимизация сайта для всех ПС</a:t>
+                      </a:r>
+                    </a:p>
+                  </a:txBody>
+                  <a:tcPr/>
+                </a:tc>
+                <a:tc>
+                  <a:txBody>
+                    <a:bodyPr/>
+                    <a:lstStyle/>
+                    <a:p>
+                      <a:pPr algn="ctr"/>
+                      <a:r>
+                        <a:rPr lang="ru-RU" sz="1600" dirty="0"/>
+                        <a:t>От 28 000</a:t>
+                      </a:r>
+                    </a:p>
+                  </a:txBody>
+                  <a:tcPr/>
+                </a:tc>
+                <a:extLst>
+                  <a:ext uri="{0D108BD9-81ED-4DB2-BD59-A6C34878D82A}">
+                    <a16:rowId xmlns:a16="http://schemas.microsoft.com/office/drawing/2014/main" val="3446967812"/>
+                  </a:ext>
+                </a:extLst>
+              </a:tr>
+              <a:tr h="370840">
+                <a:tc>
+                  <a:txBody>
+                    <a:bodyPr/>
+                    <a:lstStyle/>
+                    <a:p>
+                      <a:r>
+                        <a:rPr lang="ru-RU" sz="1600" dirty="0"/>
+                        <a:t>СЕО </a:t>
+                      </a:r>
+                      <a:r>
+                        <a:rPr lang="en-US" sz="1600" dirty="0"/>
+                        <a:t>(SEO) </a:t>
+                      </a:r>
+                      <a:r>
+                        <a:rPr lang="ru-RU" sz="1600" dirty="0"/>
+                        <a:t>продвижение в Гугл «под ключ» - результат по трафику</a:t>
+                      </a:r>
+                    </a:p>
+                  </a:txBody>
+                  <a:tcPr/>
+                </a:tc>
+                <a:tc>
+                  <a:txBody>
+                    <a:bodyPr/>
+                    <a:lstStyle/>
+                    <a:p>
+                      <a:pPr algn="ctr"/>
+                      <a:r>
+                        <a:rPr lang="ru-RU" sz="1600" dirty="0"/>
+                        <a:t>От 15 000/мес.</a:t>
+                      </a:r>
+                    </a:p>
+                  </a:txBody>
+                  <a:tcPr/>
+                </a:tc>
+                <a:extLst>
+                  <a:ext uri="{0D108BD9-81ED-4DB2-BD59-A6C34878D82A}">
+                    <a16:rowId xmlns:a16="http://schemas.microsoft.com/office/drawing/2014/main" val="204655076"/>
+                  </a:ext>
+                </a:extLst>
+              </a:tr>
+              <a:tr h="0">
+                <a:tc>
+                  <a:txBody>
+                    <a:bodyPr/>
+                    <a:lstStyle/>
+                    <a:p>
+                      <a:pPr marL="0" marR="0" lvl="0" indent="0" algn="l" defTabSz="914400" rtl="0" eaLnBrk="1" fontAlgn="auto" latinLnBrk="0" hangingPunct="1">
+                        <a:lnSpc>
+                          <a:spcPct val="100000"/>
+                        </a:lnSpc>
+                        <a:spcBef>
+                          <a:spcPts val="0"/>
+                        </a:spcBef>
+                        <a:spcAft>
+                          <a:spcPts val="0"/>
+                        </a:spcAft>
+                        <a:buClrTx/>
+                        <a:buSzTx/>
+                        <a:buFontTx/>
+                        <a:buNone/>
+                        <a:tabLst/>
+                        <a:defRPr/>
+                      </a:pPr>
+                      <a:r>
+                        <a:rPr lang="ru-RU" sz="1600" dirty="0"/>
+                        <a:t>СЕО </a:t>
+                      </a:r>
+                      <a:r>
+                        <a:rPr lang="en-US" sz="1600" dirty="0"/>
+                        <a:t>(SEO) </a:t>
+                      </a:r>
+                      <a:r>
+                        <a:rPr lang="ru-RU" sz="1600" dirty="0"/>
+                        <a:t>для Корпоративных сайтов</a:t>
+                      </a:r>
+                    </a:p>
+                  </a:txBody>
+                  <a:tcPr/>
+                </a:tc>
+                <a:tc>
+                  <a:txBody>
+                    <a:bodyPr/>
+                    <a:lstStyle/>
+                    <a:p>
+                      <a:pPr algn="ctr"/>
+                      <a:r>
+                        <a:rPr lang="ru-RU" sz="1600" dirty="0"/>
+                        <a:t>От 59 000*</a:t>
+                      </a:r>
+                    </a:p>
+                  </a:txBody>
+                  <a:tcPr/>
+                </a:tc>
+                <a:extLst>
+                  <a:ext uri="{0D108BD9-81ED-4DB2-BD59-A6C34878D82A}">
+                    <a16:rowId xmlns:a16="http://schemas.microsoft.com/office/drawing/2014/main" val="3022990342"/>
+                  </a:ext>
+                </a:extLst>
+              </a:tr>
+            </a:tbl>
+          </a:graphicData>
+        </a:graphic>
+      </p:graphicFrame>
+      <p:sp>
+        <p:nvSpPr>
+          <p:cNvPr id="3" name="Заголовок 1">
+            <a:extLst>
+              <a:ext uri="{FF2B5EF4-FFF2-40B4-BE49-F238E27FC236}">
+                <a16:creationId xmlns:a16="http://schemas.microsoft.com/office/drawing/2014/main" id="{0572D0DE-3F21-B329-BB5A-00A68FDFCEF7}"/>
+              </a:ext>
+            </a:extLst>
+          </p:cNvPr>
+          <p:cNvSpPr txBox="1">
+            <a:spLocks/>
+          </p:cNvSpPr>
+          <p:nvPr/>
+        </p:nvSpPr>
+        <p:spPr>
+          <a:xfrm>
+            <a:off x="814506" y="6104772"/>
+            <a:ext cx="4587966" cy="384698"/>
+          </a:xfrm>
+          <a:prstGeom prst="rect">
+            <a:avLst/>
+          </a:prstGeom>
+        </p:spPr>
+        <p:txBody>
+          <a:bodyPr vert="horz" lIns="91440" tIns="45720" rIns="91440" bIns="45720" rtlCol="0" anchor="ctr">
+            <a:normAutofit/>
+          </a:bodyPr>
+          <a:lstStyle>
+            <a:lvl1pPr algn="l" defTabSz="914400" rtl="0" eaLnBrk="1" latinLnBrk="0" hangingPunct="1">
+              <a:lnSpc>
+                <a:spcPct val="90000"/>
+              </a:lnSpc>
+              <a:spcBef>
+                <a:spcPct val="0"/>
+              </a:spcBef>
+              <a:buNone/>
+              <a:defRPr sz="3600" kern="1200">
+                <a:solidFill>
+                  <a:schemeClr val="tx1"/>
+                </a:solidFill>
+                <a:latin typeface="+mj-lt"/>
+                <a:ea typeface="+mj-ea"/>
+                <a:cs typeface="+mj-cs"/>
+              </a:defRPr>
+            </a:lvl1pPr>
+          </a:lstStyle>
+          <a:p>
+            <a:r>
+              <a:rPr lang="ru-RU" sz="1200" dirty="0"/>
+              <a:t>* - для оценки стоимости требуется проведение СЕО аудита.</a:t>
+            </a:r>
+          </a:p>
+        </p:txBody>
+      </p:sp>
+    </p:spTree>
+    <p:extLst>
+      <p:ext uri="{BB962C8B-B14F-4D97-AF65-F5344CB8AC3E}">
+        <p14:creationId xmlns:p14="http://schemas.microsoft.com/office/powerpoint/2010/main" val="3302799532"/>
+      </p:ext>
+    </p:extLst>
+  </p:cSld>
+  <p:clrMapOvr>
+    <a:masterClrMapping/>
+  </p:clrMapOvr>
+</p:sld>
+</file>
+
+<file path=ppt/slides/slide5.xml><?xml version="1.0" encoding="utf-8"?>
+<p:sld xmlns:a="http://schemas.openxmlformats.org/drawingml/2006/main" xmlns:r="http://schemas.openxmlformats.org/officeDocument/2006/relationships" xmlns:p="http://schemas.openxmlformats.org/presentationml/2006/main">
+  <p:cSld>
+    <p:spTree>
+      <p:nvGrpSpPr>
+        <p:cNvPr id="1" name=""/>
+        <p:cNvGrpSpPr/>
+        <p:nvPr/>
+      </p:nvGrpSpPr>
+      <p:grpSpPr>
+        <a:xfrm>
+          <a:off x="0" y="0"/>
+          <a:ext cx="0" cy="0"/>
+          <a:chOff x="0" y="0"/>
+          <a:chExt cx="0" cy="0"/>
+        </a:xfrm>
+      </p:grpSpPr>
+      <p:sp>
+        <p:nvSpPr>
+          <p:cNvPr id="2" name="Заголовок 1">
+            <a:extLst>
+              <a:ext uri="{FF2B5EF4-FFF2-40B4-BE49-F238E27FC236}">
+                <a16:creationId xmlns:a16="http://schemas.microsoft.com/office/drawing/2014/main" id="{F095F6BF-0F01-3E61-E843-46B0647378EE}"/>
+              </a:ext>
+            </a:extLst>
+          </p:cNvPr>
+          <p:cNvSpPr>
+            <a:spLocks noGrp="1"/>
+          </p:cNvSpPr>
+          <p:nvPr>
+            <p:ph type="title"/>
+          </p:nvPr>
+        </p:nvSpPr>
+        <p:spPr/>
+        <p:txBody>
+          <a:bodyPr/>
+          <a:lstStyle/>
+          <a:p>
+            <a:r>
+              <a:rPr lang="ru-RU" dirty="0"/>
+              <a:t>Персональный </a:t>
+            </a:r>
+            <a:r>
+              <a:rPr lang="en-US" dirty="0"/>
+              <a:t>VPN </a:t>
+            </a:r>
+            <a:r>
+              <a:rPr lang="en-US" dirty="0" err="1"/>
+              <a:t>wireguard</a:t>
+            </a:r>
+            <a:r>
+              <a:rPr lang="en-US" dirty="0"/>
+              <a:t> </a:t>
+            </a:r>
+            <a:endParaRPr lang="ru-RU" dirty="0"/>
+          </a:p>
+        </p:txBody>
+      </p:sp>
+      <p:graphicFrame>
+        <p:nvGraphicFramePr>
+          <p:cNvPr id="5" name="Таблица 5">
+            <a:extLst>
+              <a:ext uri="{FF2B5EF4-FFF2-40B4-BE49-F238E27FC236}">
+                <a16:creationId xmlns:a16="http://schemas.microsoft.com/office/drawing/2014/main" id="{E79996D2-4DAD-17AB-4632-DD7A3BD671DE}"/>
+              </a:ext>
+            </a:extLst>
+          </p:cNvPr>
+          <p:cNvGraphicFramePr>
+            <a:graphicFrameLocks noGrp="1"/>
+          </p:cNvGraphicFramePr>
+          <p:nvPr>
+            <p:ph idx="1"/>
+            <p:extLst>
+              <p:ext uri="{D42A27DB-BD31-4B8C-83A1-F6EECF244321}">
+                <p14:modId xmlns:p14="http://schemas.microsoft.com/office/powerpoint/2010/main" val="216879652"/>
+              </p:ext>
+            </p:extLst>
+          </p:nvPr>
+        </p:nvGraphicFramePr>
+        <p:xfrm>
+          <a:off x="814506" y="2466363"/>
+          <a:ext cx="9613900" cy="3296920"/>
+        </p:xfrm>
+        <a:graphic>
+          <a:graphicData uri="http://schemas.openxmlformats.org/drawingml/2006/table">
+            <a:tbl>
+              <a:tblPr firstRow="1" bandRow="1">
+                <a:tableStyleId>{5C22544A-7EE6-4342-B048-85BDC9FD1C3A}</a:tableStyleId>
+              </a:tblPr>
+              <a:tblGrid>
+                <a:gridCol w="6425193">
+                  <a:extLst>
+                    <a:ext uri="{9D8B030D-6E8A-4147-A177-3AD203B41FA5}">
+                      <a16:colId xmlns:a16="http://schemas.microsoft.com/office/drawing/2014/main" val="55798866"/>
+                    </a:ext>
+                  </a:extLst>
+                </a:gridCol>
+                <a:gridCol w="3188707">
+                  <a:extLst>
+                    <a:ext uri="{9D8B030D-6E8A-4147-A177-3AD203B41FA5}">
+                      <a16:colId xmlns:a16="http://schemas.microsoft.com/office/drawing/2014/main" val="671085902"/>
+                    </a:ext>
+                  </a:extLst>
+                </a:gridCol>
+              </a:tblGrid>
+              <a:tr h="316778">
+                <a:tc gridSpan="2">
+                  <a:txBody>
+                    <a:bodyPr/>
+                    <a:lstStyle/>
+                    <a:p>
+                      <a:pPr algn="ctr"/>
+                      <a:r>
+                        <a:rPr lang="ru-RU" sz="1800" b="1" i="0" kern="1200" dirty="0">
+                          <a:solidFill>
+                            <a:schemeClr val="lt1"/>
+                          </a:solidFill>
+                          <a:effectLst/>
+                          <a:latin typeface="+mn-lt"/>
+                          <a:ea typeface="+mn-ea"/>
+                          <a:cs typeface="+mn-cs"/>
+                        </a:rPr>
+                        <a:t>Реклама</a:t>
+                      </a:r>
+                      <a:endParaRPr lang="ru-RU" dirty="0"/>
+                    </a:p>
+                  </a:txBody>
+                  <a:tcPr/>
+                </a:tc>
+                <a:tc hMerge="1">
+                  <a:txBody>
+                    <a:bodyPr/>
+                    <a:lstStyle/>
+                    <a:p>
+                      <a:endParaRPr lang="ru-RU" dirty="0"/>
+                    </a:p>
+                  </a:txBody>
+                  <a:tcPr/>
+                </a:tc>
+                <a:extLst>
+                  <a:ext uri="{0D108BD9-81ED-4DB2-BD59-A6C34878D82A}">
+                    <a16:rowId xmlns:a16="http://schemas.microsoft.com/office/drawing/2014/main" val="70998167"/>
+                  </a:ext>
+                </a:extLst>
+              </a:tr>
+              <a:tr h="370840">
+                <a:tc>
+                  <a:txBody>
+                    <a:bodyPr/>
+                    <a:lstStyle/>
+                    <a:p>
+                      <a:r>
+                        <a:rPr lang="ru-RU" sz="1600" dirty="0"/>
+                        <a:t>Индивидуальный </a:t>
+                      </a:r>
+                      <a:r>
+                        <a:rPr lang="en-US" sz="1600" dirty="0"/>
+                        <a:t>IP = </a:t>
+                      </a:r>
+                      <a:r>
+                        <a:rPr lang="ru-RU" sz="1600" dirty="0"/>
+                        <a:t>Нидерланды</a:t>
+                      </a:r>
+                    </a:p>
+                  </a:txBody>
+                  <a:tcPr/>
+                </a:tc>
+                <a:tc>
+                  <a:txBody>
+                    <a:bodyPr/>
+                    <a:lstStyle/>
+                    <a:p>
+                      <a:pPr algn="ctr"/>
+                      <a:r>
+                        <a:rPr lang="ru-RU" sz="1600" dirty="0"/>
+                        <a:t>220 р./мес.</a:t>
+                      </a:r>
+                    </a:p>
+                  </a:txBody>
+                  <a:tcPr/>
+                </a:tc>
+                <a:extLst>
+                  <a:ext uri="{0D108BD9-81ED-4DB2-BD59-A6C34878D82A}">
+                    <a16:rowId xmlns:a16="http://schemas.microsoft.com/office/drawing/2014/main" val="1772912691"/>
+                  </a:ext>
+                </a:extLst>
+              </a:tr>
+              <a:tr h="370840">
+                <a:tc>
+                  <a:txBody>
+                    <a:bodyPr/>
+                    <a:lstStyle/>
+                    <a:p>
+                      <a:r>
+                        <a:rPr lang="ru-RU" sz="1600" dirty="0"/>
+                        <a:t>Индивидуальный </a:t>
+                      </a:r>
+                      <a:r>
+                        <a:rPr lang="en-US" sz="1600" dirty="0"/>
+                        <a:t>IP = </a:t>
+                      </a:r>
+                      <a:r>
+                        <a:rPr lang="ru-RU" sz="1600" dirty="0"/>
+                        <a:t>Польша</a:t>
+                      </a:r>
+                    </a:p>
+                  </a:txBody>
+                  <a:tcPr/>
+                </a:tc>
+                <a:tc>
+                  <a:txBody>
+                    <a:bodyPr/>
+                    <a:lstStyle/>
+                    <a:p>
+                      <a:pPr algn="ctr"/>
+                      <a:r>
+                        <a:rPr lang="ru-RU" sz="1600" dirty="0"/>
+                        <a:t>200 р./</a:t>
+                      </a:r>
+                      <a:r>
+                        <a:rPr lang="ru-RU" sz="1600" dirty="0" err="1"/>
+                        <a:t>мес</a:t>
+                      </a:r>
                       <a:endParaRPr lang="ru-RU" sz="1600" dirty="0"/>
+                    </a:p>
+                  </a:txBody>
+                  <a:tcPr/>
+                </a:tc>
+                <a:extLst>
+                  <a:ext uri="{0D108BD9-81ED-4DB2-BD59-A6C34878D82A}">
+                    <a16:rowId xmlns:a16="http://schemas.microsoft.com/office/drawing/2014/main" val="3569906132"/>
+                  </a:ext>
+                </a:extLst>
+              </a:tr>
+              <a:tr h="370840">
+                <a:tc>
+                  <a:txBody>
+                    <a:bodyPr/>
+                    <a:lstStyle/>
+                    <a:p>
+                      <a:r>
+                        <a:rPr lang="ru-RU" sz="1600" dirty="0"/>
+                        <a:t>Индивидуальный </a:t>
+                      </a:r>
+                      <a:r>
+                        <a:rPr lang="en-US" sz="1600" dirty="0"/>
+                        <a:t>IP = </a:t>
+                      </a:r>
+                      <a:r>
+                        <a:rPr lang="ru-RU" sz="1600" dirty="0"/>
+                        <a:t>США</a:t>
+                      </a:r>
+                    </a:p>
+                  </a:txBody>
+                  <a:tcPr/>
+                </a:tc>
+                <a:tc>
+                  <a:txBody>
+                    <a:bodyPr/>
+                    <a:lstStyle/>
+                    <a:p>
+                      <a:pPr algn="ctr"/>
+                      <a:r>
+                        <a:rPr lang="ru-RU" sz="1600" dirty="0"/>
+                        <a:t>240 р./</a:t>
+                      </a:r>
+                      <a:r>
+                        <a:rPr lang="ru-RU" sz="1600" dirty="0" err="1"/>
+                        <a:t>мес</a:t>
+                      </a:r>
+                      <a:endParaRPr lang="ru-RU" sz="1600" dirty="0"/>
+                    </a:p>
+                  </a:txBody>
+                  <a:tcPr/>
+                </a:tc>
+                <a:extLst>
+                  <a:ext uri="{0D108BD9-81ED-4DB2-BD59-A6C34878D82A}">
+                    <a16:rowId xmlns:a16="http://schemas.microsoft.com/office/drawing/2014/main" val="2829827849"/>
+                  </a:ext>
+                </a:extLst>
+              </a:tr>
+              <a:tr h="370840">
+                <a:tc>
+                  <a:txBody>
+                    <a:bodyPr/>
+                    <a:lstStyle/>
+                    <a:p>
+                      <a:r>
+                        <a:rPr lang="ru-RU" sz="1600" dirty="0"/>
+                        <a:t>Индивидуальный </a:t>
+                      </a:r>
+                      <a:r>
+                        <a:rPr lang="en-US" sz="1600" dirty="0"/>
+                        <a:t>IP = </a:t>
+                      </a:r>
+                      <a:r>
+                        <a:rPr lang="ru-RU" sz="1600" dirty="0"/>
+                        <a:t>Казахстан</a:t>
+                      </a:r>
+                    </a:p>
+                  </a:txBody>
+                  <a:tcPr/>
+                </a:tc>
+                <a:tc>
+                  <a:txBody>
+                    <a:bodyPr/>
+                    <a:lstStyle/>
+                    <a:p>
+                      <a:pPr algn="ctr"/>
+                      <a:r>
+                        <a:rPr lang="ru-RU" sz="1600" dirty="0"/>
+                        <a:t>190 р./</a:t>
+                      </a:r>
+                      <a:r>
+                        <a:rPr lang="ru-RU" sz="1600" dirty="0" err="1"/>
+                        <a:t>мес</a:t>
+                      </a:r>
+                      <a:endParaRPr lang="ru-RU" sz="1600" dirty="0"/>
+                    </a:p>
+                  </a:txBody>
+                  <a:tcPr/>
+                </a:tc>
+                <a:extLst>
+                  <a:ext uri="{0D108BD9-81ED-4DB2-BD59-A6C34878D82A}">
+                    <a16:rowId xmlns:a16="http://schemas.microsoft.com/office/drawing/2014/main" val="3446967812"/>
+                  </a:ext>
+                </a:extLst>
+              </a:tr>
+              <a:tr h="370840">
+                <a:tc>
+                  <a:txBody>
+                    <a:bodyPr/>
+                    <a:lstStyle/>
+                    <a:p>
+                      <a:r>
+                        <a:rPr lang="ru-RU" sz="1600" dirty="0"/>
+                        <a:t>Общий </a:t>
+                      </a:r>
+                      <a:r>
+                        <a:rPr lang="en-US" sz="1600" dirty="0"/>
+                        <a:t>IP = </a:t>
+                      </a:r>
+                      <a:r>
+                        <a:rPr lang="ru-RU" sz="1600" dirty="0"/>
+                        <a:t>Нидерланды</a:t>
+                      </a:r>
+                    </a:p>
+                  </a:txBody>
+                  <a:tcPr/>
+                </a:tc>
+                <a:tc>
+                  <a:txBody>
+                    <a:bodyPr/>
+                    <a:lstStyle/>
+                    <a:p>
+                      <a:pPr marL="0" marR="0" lvl="0" indent="0" algn="ctr" defTabSz="914400" rtl="0" eaLnBrk="1" fontAlgn="auto" latinLnBrk="0" hangingPunct="1">
+                        <a:lnSpc>
+                          <a:spcPct val="100000"/>
+                        </a:lnSpc>
+                        <a:spcBef>
+                          <a:spcPts val="0"/>
+                        </a:spcBef>
+                        <a:spcAft>
+                          <a:spcPts val="0"/>
+                        </a:spcAft>
+                        <a:buClrTx/>
+                        <a:buSzTx/>
+                        <a:buFontTx/>
+                        <a:buNone/>
+                        <a:tabLst/>
+                        <a:defRPr/>
+                      </a:pPr>
+                      <a:r>
+                        <a:rPr kumimoji="0" lang="ru-RU" sz="1600" b="0" i="0" u="none" strike="noStrike" kern="1200" cap="none" spc="0" normalizeH="0" baseline="0" noProof="0" dirty="0">
+                          <a:ln>
+                            <a:noFill/>
+                          </a:ln>
+                          <a:solidFill>
+                            <a:prstClr val="black"/>
+                          </a:solidFill>
+                          <a:effectLst/>
+                          <a:uLnTx/>
+                          <a:uFillTx/>
+                          <a:latin typeface="Trebuchet MS" panose="020B0603020202020204"/>
+                          <a:ea typeface="+mn-ea"/>
+                          <a:cs typeface="+mn-cs"/>
+                        </a:rPr>
+                        <a:t>140 р./</a:t>
+                      </a:r>
+                      <a:r>
+                        <a:rPr kumimoji="0" lang="ru-RU" sz="1600" b="0" i="0" u="none" strike="noStrike" kern="1200" cap="none" spc="0" normalizeH="0" baseline="0" noProof="0" dirty="0" err="1">
+                          <a:ln>
+                            <a:noFill/>
+                          </a:ln>
+                          <a:solidFill>
+                            <a:prstClr val="black"/>
+                          </a:solidFill>
+                          <a:effectLst/>
+                          <a:uLnTx/>
+                          <a:uFillTx/>
+                          <a:latin typeface="Trebuchet MS" panose="020B0603020202020204"/>
+                          <a:ea typeface="+mn-ea"/>
+                          <a:cs typeface="+mn-cs"/>
+                        </a:rPr>
+                        <a:t>мес</a:t>
+                      </a:r>
+                      <a:endParaRPr kumimoji="0" lang="ru-RU" sz="1600" b="0" i="0" u="none" strike="noStrike" kern="1200" cap="none" spc="0" normalizeH="0" baseline="0" noProof="0" dirty="0">
+                        <a:ln>
+                          <a:noFill/>
+                        </a:ln>
+                        <a:solidFill>
+                          <a:prstClr val="black"/>
+                        </a:solidFill>
+                        <a:effectLst/>
+                        <a:uLnTx/>
+                        <a:uFillTx/>
+                        <a:latin typeface="Trebuchet MS" panose="020B0603020202020204"/>
+                        <a:ea typeface="+mn-ea"/>
+                        <a:cs typeface="+mn-cs"/>
+                      </a:endParaRPr>
+                    </a:p>
+                  </a:txBody>
+                  <a:tcPr/>
+                </a:tc>
+                <a:extLst>
+                  <a:ext uri="{0D108BD9-81ED-4DB2-BD59-A6C34878D82A}">
+                    <a16:rowId xmlns:a16="http://schemas.microsoft.com/office/drawing/2014/main" val="204655076"/>
+                  </a:ext>
+                </a:extLst>
+              </a:tr>
+              <a:tr h="0">
+                <a:tc>
+                  <a:txBody>
+                    <a:bodyPr/>
+                    <a:lstStyle/>
+                    <a:p>
+                      <a:r>
+                        <a:rPr lang="ru-RU" sz="1600" dirty="0"/>
+                        <a:t>Общий </a:t>
+                      </a:r>
+                      <a:r>
+                        <a:rPr lang="en-US" sz="1600" dirty="0"/>
+                        <a:t>IP = </a:t>
+                      </a:r>
+                      <a:r>
+                        <a:rPr lang="ru-RU" sz="1600" dirty="0"/>
+                        <a:t>Польша</a:t>
+                      </a:r>
+                    </a:p>
+                  </a:txBody>
+                  <a:tcPr/>
+                </a:tc>
+                <a:tc>
+                  <a:txBody>
+                    <a:bodyPr/>
+                    <a:lstStyle/>
+                    <a:p>
+                      <a:pPr marL="0" marR="0" lvl="0" indent="0" algn="ctr" defTabSz="914400" rtl="0" eaLnBrk="1" fontAlgn="auto" latinLnBrk="0" hangingPunct="1">
+                        <a:lnSpc>
+                          <a:spcPct val="100000"/>
+                        </a:lnSpc>
+                        <a:spcBef>
+                          <a:spcPts val="0"/>
+                        </a:spcBef>
+                        <a:spcAft>
+                          <a:spcPts val="0"/>
+                        </a:spcAft>
+                        <a:buClrTx/>
+                        <a:buSzTx/>
+                        <a:buFontTx/>
+                        <a:buNone/>
+                        <a:tabLst/>
+                        <a:defRPr/>
+                      </a:pPr>
+                      <a:r>
+                        <a:rPr kumimoji="0" lang="ru-RU" sz="1600" b="0" i="0" u="none" strike="noStrike" kern="1200" cap="none" spc="0" normalizeH="0" baseline="0" noProof="0" dirty="0">
+                          <a:ln>
+                            <a:noFill/>
+                          </a:ln>
+                          <a:solidFill>
+                            <a:prstClr val="black"/>
+                          </a:solidFill>
+                          <a:effectLst/>
+                          <a:uLnTx/>
+                          <a:uFillTx/>
+                          <a:latin typeface="Trebuchet MS" panose="020B0603020202020204"/>
+                          <a:ea typeface="+mn-ea"/>
+                          <a:cs typeface="+mn-cs"/>
+                        </a:rPr>
+                        <a:t>140 р./</a:t>
+                      </a:r>
+                      <a:r>
+                        <a:rPr kumimoji="0" lang="ru-RU" sz="1600" b="0" i="0" u="none" strike="noStrike" kern="1200" cap="none" spc="0" normalizeH="0" baseline="0" noProof="0" dirty="0" err="1">
+                          <a:ln>
+                            <a:noFill/>
+                          </a:ln>
+                          <a:solidFill>
+                            <a:prstClr val="black"/>
+                          </a:solidFill>
+                          <a:effectLst/>
+                          <a:uLnTx/>
+                          <a:uFillTx/>
+                          <a:latin typeface="Trebuchet MS" panose="020B0603020202020204"/>
+                          <a:ea typeface="+mn-ea"/>
+                          <a:cs typeface="+mn-cs"/>
+                        </a:rPr>
+                        <a:t>мес</a:t>
+                      </a:r>
+                      <a:endParaRPr kumimoji="0" lang="ru-RU" sz="1600" b="0" i="0" u="none" strike="noStrike" kern="1200" cap="none" spc="0" normalizeH="0" baseline="0" noProof="0" dirty="0">
+                        <a:ln>
+                          <a:noFill/>
+                        </a:ln>
+                        <a:solidFill>
+                          <a:prstClr val="black"/>
+                        </a:solidFill>
+                        <a:effectLst/>
+                        <a:uLnTx/>
+                        <a:uFillTx/>
+                        <a:latin typeface="Trebuchet MS" panose="020B0603020202020204"/>
+                        <a:ea typeface="+mn-ea"/>
+                        <a:cs typeface="+mn-cs"/>
+                      </a:endParaRPr>
+                    </a:p>
+                  </a:txBody>
+                  <a:tcPr/>
+                </a:tc>
+                <a:extLst>
+                  <a:ext uri="{0D108BD9-81ED-4DB2-BD59-A6C34878D82A}">
+                    <a16:rowId xmlns:a16="http://schemas.microsoft.com/office/drawing/2014/main" val="3022990342"/>
+                  </a:ext>
+                </a:extLst>
+              </a:tr>
+              <a:tr h="370840">
+                <a:tc>
+                  <a:txBody>
+                    <a:bodyPr/>
+                    <a:lstStyle/>
+                    <a:p>
+                      <a:r>
+                        <a:rPr lang="ru-RU" sz="1600" dirty="0"/>
+                        <a:t>Общий </a:t>
+                      </a:r>
+                      <a:r>
+                        <a:rPr lang="en-US" sz="1600" dirty="0"/>
+                        <a:t>IP = </a:t>
+                      </a:r>
+                      <a:r>
+                        <a:rPr lang="ru-RU" sz="1600" dirty="0"/>
+                        <a:t>США</a:t>
+                      </a:r>
+                    </a:p>
+                  </a:txBody>
+                  <a:tcPr/>
+                </a:tc>
+                <a:tc>
+                  <a:txBody>
+                    <a:bodyPr/>
+                    <a:lstStyle/>
+                    <a:p>
+                      <a:pPr marL="0" marR="0" lvl="0" indent="0" algn="ctr" defTabSz="914400" rtl="0" eaLnBrk="1" fontAlgn="auto" latinLnBrk="0" hangingPunct="1">
+                        <a:lnSpc>
+                          <a:spcPct val="100000"/>
+                        </a:lnSpc>
+                        <a:spcBef>
+                          <a:spcPts val="0"/>
+                        </a:spcBef>
+                        <a:spcAft>
+                          <a:spcPts val="0"/>
+                        </a:spcAft>
+                        <a:buClrTx/>
+                        <a:buSzTx/>
+                        <a:buFontTx/>
+                        <a:buNone/>
+                        <a:tabLst/>
+                        <a:defRPr/>
+                      </a:pPr>
+                      <a:r>
+                        <a:rPr kumimoji="0" lang="ru-RU" sz="1600" b="0" i="0" u="none" strike="noStrike" kern="1200" cap="none" spc="0" normalizeH="0" baseline="0" noProof="0" dirty="0">
+                          <a:ln>
+                            <a:noFill/>
+                          </a:ln>
+                          <a:solidFill>
+                            <a:prstClr val="black"/>
+                          </a:solidFill>
+                          <a:effectLst/>
+                          <a:uLnTx/>
+                          <a:uFillTx/>
+                          <a:latin typeface="Trebuchet MS" panose="020B0603020202020204"/>
+                          <a:ea typeface="+mn-ea"/>
+                          <a:cs typeface="+mn-cs"/>
+                        </a:rPr>
+                        <a:t>180 р./</a:t>
+                      </a:r>
+                      <a:r>
+                        <a:rPr kumimoji="0" lang="ru-RU" sz="1600" b="0" i="0" u="none" strike="noStrike" kern="1200" cap="none" spc="0" normalizeH="0" baseline="0" noProof="0" dirty="0" err="1">
+                          <a:ln>
+                            <a:noFill/>
+                          </a:ln>
+                          <a:solidFill>
+                            <a:prstClr val="black"/>
+                          </a:solidFill>
+                          <a:effectLst/>
+                          <a:uLnTx/>
+                          <a:uFillTx/>
+                          <a:latin typeface="Trebuchet MS" panose="020B0603020202020204"/>
+                          <a:ea typeface="+mn-ea"/>
+                          <a:cs typeface="+mn-cs"/>
+                        </a:rPr>
+                        <a:t>мес</a:t>
+                      </a:r>
+                      <a:endParaRPr kumimoji="0" lang="ru-RU" sz="1600" b="0" i="0" u="none" strike="noStrike" kern="1200" cap="none" spc="0" normalizeH="0" baseline="0" noProof="0" dirty="0">
+                        <a:ln>
+                          <a:noFill/>
+                        </a:ln>
+                        <a:solidFill>
+                          <a:prstClr val="black"/>
+                        </a:solidFill>
+                        <a:effectLst/>
+                        <a:uLnTx/>
+                        <a:uFillTx/>
+                        <a:latin typeface="Trebuchet MS" panose="020B0603020202020204"/>
+                        <a:ea typeface="+mn-ea"/>
+                        <a:cs typeface="+mn-cs"/>
+                      </a:endParaRPr>
+                    </a:p>
+                  </a:txBody>
+                  <a:tcPr/>
+                </a:tc>
+                <a:extLst>
+                  <a:ext uri="{0D108BD9-81ED-4DB2-BD59-A6C34878D82A}">
+                    <a16:rowId xmlns:a16="http://schemas.microsoft.com/office/drawing/2014/main" val="3655545532"/>
+                  </a:ext>
+                </a:extLst>
+              </a:tr>
+              <a:tr h="370840">
+                <a:tc>
+                  <a:txBody>
+                    <a:bodyPr/>
+                    <a:lstStyle/>
+                    <a:p>
+                      <a:r>
+                        <a:rPr lang="ru-RU" sz="1600" dirty="0"/>
+                        <a:t>Общий </a:t>
+                      </a:r>
+                      <a:r>
+                        <a:rPr lang="en-US" sz="1600" dirty="0"/>
+                        <a:t>IP = </a:t>
+                      </a:r>
+                      <a:r>
+                        <a:rPr lang="ru-RU" sz="1600" dirty="0"/>
+                        <a:t>Казахстан</a:t>
+                      </a:r>
+                    </a:p>
+                  </a:txBody>
+                  <a:tcPr/>
+                </a:tc>
+                <a:tc>
+                  <a:txBody>
+                    <a:bodyPr/>
+                    <a:lstStyle/>
+                    <a:p>
+                      <a:pPr marL="0" marR="0" lvl="0" indent="0" algn="ctr" defTabSz="914400" rtl="0" eaLnBrk="1" fontAlgn="auto" latinLnBrk="0" hangingPunct="1">
+                        <a:lnSpc>
+                          <a:spcPct val="100000"/>
+                        </a:lnSpc>
+                        <a:spcBef>
+                          <a:spcPts val="0"/>
+                        </a:spcBef>
+                        <a:spcAft>
+                          <a:spcPts val="0"/>
+                        </a:spcAft>
+                        <a:buClrTx/>
+                        <a:buSzTx/>
+                        <a:buFontTx/>
+                        <a:buNone/>
+                        <a:tabLst/>
+                        <a:defRPr/>
+                      </a:pPr>
+                      <a:r>
+                        <a:rPr kumimoji="0" lang="ru-RU" sz="1600" b="0" i="0" u="none" strike="noStrike" kern="1200" cap="none" spc="0" normalizeH="0" baseline="0" noProof="0" dirty="0">
+                          <a:ln>
+                            <a:noFill/>
+                          </a:ln>
+                          <a:solidFill>
+                            <a:prstClr val="black"/>
+                          </a:solidFill>
+                          <a:effectLst/>
+                          <a:uLnTx/>
+                          <a:uFillTx/>
+                          <a:latin typeface="Trebuchet MS" panose="020B0603020202020204"/>
+                          <a:ea typeface="+mn-ea"/>
+                          <a:cs typeface="+mn-cs"/>
+                        </a:rPr>
+                        <a:t>120 р./</a:t>
+                      </a:r>
+                      <a:r>
+                        <a:rPr kumimoji="0" lang="ru-RU" sz="1600" b="0" i="0" u="none" strike="noStrike" kern="1200" cap="none" spc="0" normalizeH="0" baseline="0" noProof="0" dirty="0" err="1">
+                          <a:ln>
+                            <a:noFill/>
+                          </a:ln>
+                          <a:solidFill>
+                            <a:prstClr val="black"/>
+                          </a:solidFill>
+                          <a:effectLst/>
+                          <a:uLnTx/>
+                          <a:uFillTx/>
+                          <a:latin typeface="Trebuchet MS" panose="020B0603020202020204"/>
+                          <a:ea typeface="+mn-ea"/>
+                          <a:cs typeface="+mn-cs"/>
+                        </a:rPr>
+                        <a:t>мес</a:t>
+                      </a:r>
+                      <a:endParaRPr kumimoji="0" lang="ru-RU" sz="1600" b="0" i="0" u="none" strike="noStrike" kern="1200" cap="none" spc="0" normalizeH="0" baseline="0" noProof="0" dirty="0">
+                        <a:ln>
+                          <a:noFill/>
+                        </a:ln>
+                        <a:solidFill>
+                          <a:prstClr val="black"/>
+                        </a:solidFill>
+                        <a:effectLst/>
+                        <a:uLnTx/>
+                        <a:uFillTx/>
+                        <a:latin typeface="Trebuchet MS" panose="020B0603020202020204"/>
+                        <a:ea typeface="+mn-ea"/>
+                        <a:cs typeface="+mn-cs"/>
+                      </a:endParaRPr>
                     </a:p>
                   </a:txBody>
                   <a:tcPr/>
@@ -8325,7 +10144,7 @@
     </p:spTree>
     <p:extLst>
       <p:ext uri="{BB962C8B-B14F-4D97-AF65-F5344CB8AC3E}">
-        <p14:creationId xmlns:p14="http://schemas.microsoft.com/office/powerpoint/2010/main" val="2152487951"/>
+        <p14:creationId xmlns:p14="http://schemas.microsoft.com/office/powerpoint/2010/main" val="4276322192"/>
       </p:ext>
     </p:extLst>
   </p:cSld>
